--- a/part-01/作业.pptx
+++ b/part-01/作业.pptx
@@ -108,6 +108,11 @@
       </a:defRPr>
     </a:lvl9pPr>
   </p:defaultTextStyle>
+  <p:extLst>
+    <p:ext uri="{EFAFB233-063F-42B5-8137-9DF3F51BA10A}">
+      <p15:sldGuideLst xmlns:p15="http://schemas.microsoft.com/office/powerpoint/2012/main"/>
+    </p:ext>
+  </p:extLst>
 </p:presentation>
 </file>
 
@@ -242,7 +247,7 @@
           <a:p>
             <a:fld id="{B9A92B3E-5A6D-4D2B-9C09-F4578AB793FF}" type="datetimeFigureOut">
               <a:rPr lang="zh-CN" altLang="en-US" smtClean="0"/>
-              <a:t>2021/10/26 Tuesday</a:t>
+              <a:t>2021/10/28 Thursday</a:t>
             </a:fld>
             <a:endParaRPr lang="zh-CN" altLang="en-US"/>
           </a:p>
@@ -412,7 +417,7 @@
           <a:p>
             <a:fld id="{B9A92B3E-5A6D-4D2B-9C09-F4578AB793FF}" type="datetimeFigureOut">
               <a:rPr lang="zh-CN" altLang="en-US" smtClean="0"/>
-              <a:t>2021/10/26 Tuesday</a:t>
+              <a:t>2021/10/28 Thursday</a:t>
             </a:fld>
             <a:endParaRPr lang="zh-CN" altLang="en-US"/>
           </a:p>
@@ -592,7 +597,7 @@
           <a:p>
             <a:fld id="{B9A92B3E-5A6D-4D2B-9C09-F4578AB793FF}" type="datetimeFigureOut">
               <a:rPr lang="zh-CN" altLang="en-US" smtClean="0"/>
-              <a:t>2021/10/26 Tuesday</a:t>
+              <a:t>2021/10/28 Thursday</a:t>
             </a:fld>
             <a:endParaRPr lang="zh-CN" altLang="en-US"/>
           </a:p>
@@ -762,7 +767,7 @@
           <a:p>
             <a:fld id="{B9A92B3E-5A6D-4D2B-9C09-F4578AB793FF}" type="datetimeFigureOut">
               <a:rPr lang="zh-CN" altLang="en-US" smtClean="0"/>
-              <a:t>2021/10/26 Tuesday</a:t>
+              <a:t>2021/10/28 Thursday</a:t>
             </a:fld>
             <a:endParaRPr lang="zh-CN" altLang="en-US"/>
           </a:p>
@@ -1008,7 +1013,7 @@
           <a:p>
             <a:fld id="{B9A92B3E-5A6D-4D2B-9C09-F4578AB793FF}" type="datetimeFigureOut">
               <a:rPr lang="zh-CN" altLang="en-US" smtClean="0"/>
-              <a:t>2021/10/26 Tuesday</a:t>
+              <a:t>2021/10/28 Thursday</a:t>
             </a:fld>
             <a:endParaRPr lang="zh-CN" altLang="en-US"/>
           </a:p>
@@ -1240,7 +1245,7 @@
           <a:p>
             <a:fld id="{B9A92B3E-5A6D-4D2B-9C09-F4578AB793FF}" type="datetimeFigureOut">
               <a:rPr lang="zh-CN" altLang="en-US" smtClean="0"/>
-              <a:t>2021/10/26 Tuesday</a:t>
+              <a:t>2021/10/28 Thursday</a:t>
             </a:fld>
             <a:endParaRPr lang="zh-CN" altLang="en-US"/>
           </a:p>
@@ -1607,7 +1612,7 @@
           <a:p>
             <a:fld id="{B9A92B3E-5A6D-4D2B-9C09-F4578AB793FF}" type="datetimeFigureOut">
               <a:rPr lang="zh-CN" altLang="en-US" smtClean="0"/>
-              <a:t>2021/10/26 Tuesday</a:t>
+              <a:t>2021/10/28 Thursday</a:t>
             </a:fld>
             <a:endParaRPr lang="zh-CN" altLang="en-US"/>
           </a:p>
@@ -1725,7 +1730,7 @@
           <a:p>
             <a:fld id="{B9A92B3E-5A6D-4D2B-9C09-F4578AB793FF}" type="datetimeFigureOut">
               <a:rPr lang="zh-CN" altLang="en-US" smtClean="0"/>
-              <a:t>2021/10/26 Tuesday</a:t>
+              <a:t>2021/10/28 Thursday</a:t>
             </a:fld>
             <a:endParaRPr lang="zh-CN" altLang="en-US"/>
           </a:p>
@@ -1820,7 +1825,7 @@
           <a:p>
             <a:fld id="{B9A92B3E-5A6D-4D2B-9C09-F4578AB793FF}" type="datetimeFigureOut">
               <a:rPr lang="zh-CN" altLang="en-US" smtClean="0"/>
-              <a:t>2021/10/26 Tuesday</a:t>
+              <a:t>2021/10/28 Thursday</a:t>
             </a:fld>
             <a:endParaRPr lang="zh-CN" altLang="en-US"/>
           </a:p>
@@ -2097,7 +2102,7 @@
           <a:p>
             <a:fld id="{B9A92B3E-5A6D-4D2B-9C09-F4578AB793FF}" type="datetimeFigureOut">
               <a:rPr lang="zh-CN" altLang="en-US" smtClean="0"/>
-              <a:t>2021/10/26 Tuesday</a:t>
+              <a:t>2021/10/28 Thursday</a:t>
             </a:fld>
             <a:endParaRPr lang="zh-CN" altLang="en-US"/>
           </a:p>
@@ -2350,7 +2355,7 @@
           <a:p>
             <a:fld id="{B9A92B3E-5A6D-4D2B-9C09-F4578AB793FF}" type="datetimeFigureOut">
               <a:rPr lang="zh-CN" altLang="en-US" smtClean="0"/>
-              <a:t>2021/10/26 Tuesday</a:t>
+              <a:t>2021/10/28 Thursday</a:t>
             </a:fld>
             <a:endParaRPr lang="zh-CN" altLang="en-US"/>
           </a:p>
@@ -2563,7 +2568,7 @@
           <a:p>
             <a:fld id="{B9A92B3E-5A6D-4D2B-9C09-F4578AB793FF}" type="datetimeFigureOut">
               <a:rPr lang="zh-CN" altLang="en-US" smtClean="0"/>
-              <a:t>2021/10/26 Tuesday</a:t>
+              <a:t>2021/10/28 Thursday</a:t>
             </a:fld>
             <a:endParaRPr lang="zh-CN" altLang="en-US"/>
           </a:p>
@@ -2968,2314 +2973,30 @@
           <a:chExt cx="0" cy="0"/>
         </a:xfrm>
       </p:grpSpPr>
-      <p:sp>
-        <p:nvSpPr>
-          <p:cNvPr id="47" name="圆角矩形 46"/>
-          <p:cNvSpPr/>
+      <p:pic>
+        <p:nvPicPr>
+          <p:cNvPr id="14" name="图片 13"/>
+          <p:cNvPicPr>
+            <a:picLocks noChangeAspect="1"/>
+          </p:cNvPicPr>
           <p:nvPr/>
-        </p:nvSpPr>
+        </p:nvPicPr>
+        <p:blipFill>
+          <a:blip r:embed="rId2"/>
+          <a:stretch>
+            <a:fillRect/>
+          </a:stretch>
+        </p:blipFill>
         <p:spPr>
           <a:xfrm>
-            <a:off x="8741381" y="279699"/>
-            <a:ext cx="2855363" cy="1936376"/>
+            <a:off x="471487" y="519112"/>
+            <a:ext cx="11249025" cy="5819775"/>
           </a:xfrm>
-          <a:prstGeom prst="roundRect">
+          <a:prstGeom prst="rect">
             <a:avLst/>
           </a:prstGeom>
         </p:spPr>
-        <p:style>
-          <a:lnRef idx="2">
-            <a:schemeClr val="accent1">
-              <a:shade val="50000"/>
-            </a:schemeClr>
-          </a:lnRef>
-          <a:fillRef idx="1">
-            <a:schemeClr val="accent1"/>
-          </a:fillRef>
-          <a:effectRef idx="0">
-            <a:schemeClr val="accent1"/>
-          </a:effectRef>
-          <a:fontRef idx="minor">
-            <a:schemeClr val="lt1"/>
-          </a:fontRef>
-        </p:style>
-        <p:txBody>
-          <a:bodyPr rtlCol="0" anchor="ctr"/>
-          <a:lstStyle/>
-          <a:p>
-            <a:pPr algn="ctr"/>
-            <a:r>
-              <a:rPr lang="zh-CN" altLang="en-US" sz="1400" dirty="0" smtClean="0"/>
-              <a:t>服务搜索</a:t>
-            </a:r>
-            <a:endParaRPr lang="en-US" altLang="zh-CN" sz="1400" dirty="0" smtClean="0"/>
-          </a:p>
-          <a:p>
-            <a:pPr algn="ctr"/>
-            <a:endParaRPr lang="en-US" altLang="zh-CN" sz="1400" dirty="0" smtClean="0">
-              <a:latin typeface="微软雅黑" panose="020B0503020204020204" pitchFamily="34" charset="-122"/>
-              <a:ea typeface="微软雅黑" panose="020B0503020204020204" pitchFamily="34" charset="-122"/>
-            </a:endParaRPr>
-          </a:p>
-          <a:p>
-            <a:pPr algn="ctr"/>
-            <a:endParaRPr lang="en-US" altLang="zh-CN" sz="1400" dirty="0">
-              <a:latin typeface="微软雅黑" panose="020B0503020204020204" pitchFamily="34" charset="-122"/>
-              <a:ea typeface="微软雅黑" panose="020B0503020204020204" pitchFamily="34" charset="-122"/>
-            </a:endParaRPr>
-          </a:p>
-          <a:p>
-            <a:pPr algn="ctr"/>
-            <a:endParaRPr lang="en-US" altLang="zh-CN" sz="1400" dirty="0" smtClean="0">
-              <a:latin typeface="微软雅黑" panose="020B0503020204020204" pitchFamily="34" charset="-122"/>
-              <a:ea typeface="微软雅黑" panose="020B0503020204020204" pitchFamily="34" charset="-122"/>
-            </a:endParaRPr>
-          </a:p>
-          <a:p>
-            <a:pPr algn="ctr"/>
-            <a:endParaRPr lang="en-US" altLang="zh-CN" sz="1400" dirty="0">
-              <a:latin typeface="微软雅黑" panose="020B0503020204020204" pitchFamily="34" charset="-122"/>
-              <a:ea typeface="微软雅黑" panose="020B0503020204020204" pitchFamily="34" charset="-122"/>
-            </a:endParaRPr>
-          </a:p>
-          <a:p>
-            <a:pPr algn="ctr"/>
-            <a:endParaRPr lang="en-US" altLang="zh-CN" sz="1400" dirty="0" smtClean="0">
-              <a:latin typeface="微软雅黑" panose="020B0503020204020204" pitchFamily="34" charset="-122"/>
-              <a:ea typeface="微软雅黑" panose="020B0503020204020204" pitchFamily="34" charset="-122"/>
-            </a:endParaRPr>
-          </a:p>
-          <a:p>
-            <a:pPr algn="ctr"/>
-            <a:endParaRPr lang="en-US" altLang="zh-CN" sz="1400" dirty="0">
-              <a:latin typeface="微软雅黑" panose="020B0503020204020204" pitchFamily="34" charset="-122"/>
-              <a:ea typeface="微软雅黑" panose="020B0503020204020204" pitchFamily="34" charset="-122"/>
-            </a:endParaRPr>
-          </a:p>
-          <a:p>
-            <a:pPr algn="ctr"/>
-            <a:endParaRPr lang="en-US" altLang="zh-CN" sz="1400" dirty="0" smtClean="0">
-              <a:latin typeface="微软雅黑" panose="020B0503020204020204" pitchFamily="34" charset="-122"/>
-              <a:ea typeface="微软雅黑" panose="020B0503020204020204" pitchFamily="34" charset="-122"/>
-            </a:endParaRPr>
-          </a:p>
-          <a:p>
-            <a:pPr algn="ctr"/>
-            <a:endParaRPr lang="zh-CN" altLang="en-US" sz="1400" dirty="0">
-              <a:latin typeface="微软雅黑" panose="020B0503020204020204" pitchFamily="34" charset="-122"/>
-              <a:ea typeface="微软雅黑" panose="020B0503020204020204" pitchFamily="34" charset="-122"/>
-            </a:endParaRPr>
-          </a:p>
-        </p:txBody>
-      </p:sp>
-      <p:sp>
-        <p:nvSpPr>
-          <p:cNvPr id="43" name="圆角矩形 42"/>
-          <p:cNvSpPr/>
-          <p:nvPr/>
-        </p:nvSpPr>
-        <p:spPr>
-          <a:xfrm>
-            <a:off x="3816424" y="3007713"/>
-            <a:ext cx="2168735" cy="2011487"/>
-          </a:xfrm>
-          <a:prstGeom prst="roundRect">
-            <a:avLst/>
-          </a:prstGeom>
-        </p:spPr>
-        <p:style>
-          <a:lnRef idx="2">
-            <a:schemeClr val="accent1">
-              <a:shade val="50000"/>
-            </a:schemeClr>
-          </a:lnRef>
-          <a:fillRef idx="1">
-            <a:schemeClr val="accent1"/>
-          </a:fillRef>
-          <a:effectRef idx="0">
-            <a:schemeClr val="accent1"/>
-          </a:effectRef>
-          <a:fontRef idx="minor">
-            <a:schemeClr val="lt1"/>
-          </a:fontRef>
-        </p:style>
-        <p:txBody>
-          <a:bodyPr rtlCol="0" anchor="ctr"/>
-          <a:lstStyle/>
-          <a:p>
-            <a:pPr algn="ctr"/>
-            <a:r>
-              <a:rPr lang="zh-CN" altLang="en-US" sz="1400" dirty="0" smtClean="0">
-                <a:latin typeface="微软雅黑" panose="020B0503020204020204" pitchFamily="34" charset="-122"/>
-                <a:ea typeface="微软雅黑" panose="020B0503020204020204" pitchFamily="34" charset="-122"/>
-              </a:rPr>
-              <a:t>好友关系</a:t>
-            </a:r>
-            <a:endParaRPr lang="en-US" altLang="zh-CN" sz="1400" dirty="0" smtClean="0">
-              <a:latin typeface="微软雅黑" panose="020B0503020204020204" pitchFamily="34" charset="-122"/>
-              <a:ea typeface="微软雅黑" panose="020B0503020204020204" pitchFamily="34" charset="-122"/>
-            </a:endParaRPr>
-          </a:p>
-          <a:p>
-            <a:pPr algn="ctr"/>
-            <a:endParaRPr lang="en-US" altLang="zh-CN" sz="1400" dirty="0">
-              <a:latin typeface="微软雅黑" panose="020B0503020204020204" pitchFamily="34" charset="-122"/>
-              <a:ea typeface="微软雅黑" panose="020B0503020204020204" pitchFamily="34" charset="-122"/>
-            </a:endParaRPr>
-          </a:p>
-          <a:p>
-            <a:pPr algn="ctr"/>
-            <a:endParaRPr lang="en-US" altLang="zh-CN" sz="1400" dirty="0" smtClean="0">
-              <a:latin typeface="微软雅黑" panose="020B0503020204020204" pitchFamily="34" charset="-122"/>
-              <a:ea typeface="微软雅黑" panose="020B0503020204020204" pitchFamily="34" charset="-122"/>
-            </a:endParaRPr>
-          </a:p>
-          <a:p>
-            <a:pPr algn="ctr"/>
-            <a:endParaRPr lang="en-US" altLang="zh-CN" sz="1400" dirty="0">
-              <a:latin typeface="微软雅黑" panose="020B0503020204020204" pitchFamily="34" charset="-122"/>
-              <a:ea typeface="微软雅黑" panose="020B0503020204020204" pitchFamily="34" charset="-122"/>
-            </a:endParaRPr>
-          </a:p>
-          <a:p>
-            <a:pPr algn="ctr"/>
-            <a:endParaRPr lang="en-US" altLang="zh-CN" sz="1400" dirty="0" smtClean="0">
-              <a:latin typeface="微软雅黑" panose="020B0503020204020204" pitchFamily="34" charset="-122"/>
-              <a:ea typeface="微软雅黑" panose="020B0503020204020204" pitchFamily="34" charset="-122"/>
-            </a:endParaRPr>
-          </a:p>
-          <a:p>
-            <a:pPr algn="ctr"/>
-            <a:endParaRPr lang="en-US" altLang="zh-CN" sz="1400" dirty="0">
-              <a:latin typeface="微软雅黑" panose="020B0503020204020204" pitchFamily="34" charset="-122"/>
-              <a:ea typeface="微软雅黑" panose="020B0503020204020204" pitchFamily="34" charset="-122"/>
-            </a:endParaRPr>
-          </a:p>
-          <a:p>
-            <a:pPr algn="ctr"/>
-            <a:endParaRPr lang="en-US" altLang="zh-CN" sz="1400" dirty="0" smtClean="0">
-              <a:latin typeface="微软雅黑" panose="020B0503020204020204" pitchFamily="34" charset="-122"/>
-              <a:ea typeface="微软雅黑" panose="020B0503020204020204" pitchFamily="34" charset="-122"/>
-            </a:endParaRPr>
-          </a:p>
-          <a:p>
-            <a:pPr algn="ctr"/>
-            <a:endParaRPr lang="zh-CN" altLang="en-US" sz="1400" dirty="0">
-              <a:latin typeface="微软雅黑" panose="020B0503020204020204" pitchFamily="34" charset="-122"/>
-              <a:ea typeface="微软雅黑" panose="020B0503020204020204" pitchFamily="34" charset="-122"/>
-            </a:endParaRPr>
-          </a:p>
-        </p:txBody>
-      </p:sp>
-      <p:sp>
-        <p:nvSpPr>
-          <p:cNvPr id="4" name="圆角矩形 3"/>
-          <p:cNvSpPr/>
-          <p:nvPr/>
-        </p:nvSpPr>
-        <p:spPr>
-          <a:xfrm>
-            <a:off x="5836692" y="978946"/>
-            <a:ext cx="2387660" cy="1788115"/>
-          </a:xfrm>
-          <a:prstGeom prst="roundRect">
-            <a:avLst/>
-          </a:prstGeom>
-        </p:spPr>
-        <p:style>
-          <a:lnRef idx="2">
-            <a:schemeClr val="accent1">
-              <a:shade val="50000"/>
-            </a:schemeClr>
-          </a:lnRef>
-          <a:fillRef idx="1">
-            <a:schemeClr val="accent1"/>
-          </a:fillRef>
-          <a:effectRef idx="0">
-            <a:schemeClr val="accent1"/>
-          </a:effectRef>
-          <a:fontRef idx="minor">
-            <a:schemeClr val="lt1"/>
-          </a:fontRef>
-        </p:style>
-        <p:txBody>
-          <a:bodyPr rtlCol="0" anchor="ctr"/>
-          <a:lstStyle/>
-          <a:p>
-            <a:pPr algn="ctr"/>
-            <a:r>
-              <a:rPr lang="zh-CN" altLang="en-US" sz="1400" dirty="0" smtClean="0">
-                <a:latin typeface="微软雅黑" panose="020B0503020204020204" pitchFamily="34" charset="-122"/>
-                <a:ea typeface="微软雅黑" panose="020B0503020204020204" pitchFamily="34" charset="-122"/>
-              </a:rPr>
-              <a:t>发现</a:t>
-            </a:r>
-            <a:endParaRPr lang="en-US" altLang="zh-CN" sz="1400" dirty="0">
-              <a:latin typeface="微软雅黑" panose="020B0503020204020204" pitchFamily="34" charset="-122"/>
-              <a:ea typeface="微软雅黑" panose="020B0503020204020204" pitchFamily="34" charset="-122"/>
-            </a:endParaRPr>
-          </a:p>
-          <a:p>
-            <a:pPr algn="ctr"/>
-            <a:endParaRPr lang="en-US" altLang="zh-CN" sz="1400" dirty="0">
-              <a:latin typeface="微软雅黑" panose="020B0503020204020204" pitchFamily="34" charset="-122"/>
-              <a:ea typeface="微软雅黑" panose="020B0503020204020204" pitchFamily="34" charset="-122"/>
-            </a:endParaRPr>
-          </a:p>
-          <a:p>
-            <a:pPr algn="ctr"/>
-            <a:endParaRPr lang="en-US" altLang="zh-CN" sz="1400" dirty="0" smtClean="0">
-              <a:latin typeface="微软雅黑" panose="020B0503020204020204" pitchFamily="34" charset="-122"/>
-              <a:ea typeface="微软雅黑" panose="020B0503020204020204" pitchFamily="34" charset="-122"/>
-            </a:endParaRPr>
-          </a:p>
-          <a:p>
-            <a:pPr algn="ctr"/>
-            <a:endParaRPr lang="en-US" altLang="zh-CN" sz="1400" dirty="0">
-              <a:latin typeface="微软雅黑" panose="020B0503020204020204" pitchFamily="34" charset="-122"/>
-              <a:ea typeface="微软雅黑" panose="020B0503020204020204" pitchFamily="34" charset="-122"/>
-            </a:endParaRPr>
-          </a:p>
-          <a:p>
-            <a:pPr algn="ctr"/>
-            <a:endParaRPr lang="en-US" altLang="zh-CN" sz="1400" dirty="0" smtClean="0">
-              <a:latin typeface="微软雅黑" panose="020B0503020204020204" pitchFamily="34" charset="-122"/>
-              <a:ea typeface="微软雅黑" panose="020B0503020204020204" pitchFamily="34" charset="-122"/>
-            </a:endParaRPr>
-          </a:p>
-          <a:p>
-            <a:pPr algn="ctr"/>
-            <a:endParaRPr lang="en-US" altLang="zh-CN" sz="1400" dirty="0">
-              <a:latin typeface="微软雅黑" panose="020B0503020204020204" pitchFamily="34" charset="-122"/>
-              <a:ea typeface="微软雅黑" panose="020B0503020204020204" pitchFamily="34" charset="-122"/>
-            </a:endParaRPr>
-          </a:p>
-          <a:p>
-            <a:pPr algn="ctr"/>
-            <a:endParaRPr lang="en-US" altLang="zh-CN" sz="1400" dirty="0" smtClean="0">
-              <a:latin typeface="微软雅黑" panose="020B0503020204020204" pitchFamily="34" charset="-122"/>
-              <a:ea typeface="微软雅黑" panose="020B0503020204020204" pitchFamily="34" charset="-122"/>
-            </a:endParaRPr>
-          </a:p>
-          <a:p>
-            <a:pPr algn="ctr"/>
-            <a:endParaRPr lang="zh-CN" altLang="en-US" sz="1400" dirty="0">
-              <a:latin typeface="微软雅黑" panose="020B0503020204020204" pitchFamily="34" charset="-122"/>
-              <a:ea typeface="微软雅黑" panose="020B0503020204020204" pitchFamily="34" charset="-122"/>
-            </a:endParaRPr>
-          </a:p>
-        </p:txBody>
-      </p:sp>
-      <p:sp>
-        <p:nvSpPr>
-          <p:cNvPr id="5" name="圆角矩形 4"/>
-          <p:cNvSpPr/>
-          <p:nvPr/>
-        </p:nvSpPr>
-        <p:spPr>
-          <a:xfrm>
-            <a:off x="3936870" y="4184885"/>
-            <a:ext cx="1899822" cy="594804"/>
-          </a:xfrm>
-          <a:prstGeom prst="roundRect">
-            <a:avLst/>
-          </a:prstGeom>
-        </p:spPr>
-        <p:style>
-          <a:lnRef idx="2">
-            <a:schemeClr val="accent2">
-              <a:shade val="50000"/>
-            </a:schemeClr>
-          </a:lnRef>
-          <a:fillRef idx="1">
-            <a:schemeClr val="accent2"/>
-          </a:fillRef>
-          <a:effectRef idx="0">
-            <a:schemeClr val="accent2"/>
-          </a:effectRef>
-          <a:fontRef idx="minor">
-            <a:schemeClr val="lt1"/>
-          </a:fontRef>
-        </p:style>
-        <p:txBody>
-          <a:bodyPr rtlCol="0" anchor="ctr"/>
-          <a:lstStyle/>
-          <a:p>
-            <a:pPr algn="ctr"/>
-            <a:r>
-              <a:rPr lang="zh-CN" altLang="en-US" sz="1400" dirty="0">
-                <a:latin typeface="微软雅黑" panose="020B0503020204020204" pitchFamily="34" charset="-122"/>
-                <a:ea typeface="微软雅黑" panose="020B0503020204020204" pitchFamily="34" charset="-122"/>
-              </a:rPr>
-              <a:t>关联企业</a:t>
-            </a:r>
-          </a:p>
-        </p:txBody>
-      </p:sp>
-      <p:sp>
-        <p:nvSpPr>
-          <p:cNvPr id="6" name="圆角矩形 5"/>
-          <p:cNvSpPr/>
-          <p:nvPr/>
-        </p:nvSpPr>
-        <p:spPr>
-          <a:xfrm>
-            <a:off x="3817126" y="756807"/>
-            <a:ext cx="1585084" cy="1894242"/>
-          </a:xfrm>
-          <a:prstGeom prst="roundRect">
-            <a:avLst/>
-          </a:prstGeom>
-        </p:spPr>
-        <p:style>
-          <a:lnRef idx="2">
-            <a:schemeClr val="accent1">
-              <a:shade val="50000"/>
-            </a:schemeClr>
-          </a:lnRef>
-          <a:fillRef idx="1">
-            <a:schemeClr val="accent1"/>
-          </a:fillRef>
-          <a:effectRef idx="0">
-            <a:schemeClr val="accent1"/>
-          </a:effectRef>
-          <a:fontRef idx="minor">
-            <a:schemeClr val="lt1"/>
-          </a:fontRef>
-        </p:style>
-        <p:txBody>
-          <a:bodyPr rtlCol="0" anchor="ctr"/>
-          <a:lstStyle/>
-          <a:p>
-            <a:pPr algn="ctr"/>
-            <a:r>
-              <a:rPr lang="zh-CN" altLang="en-US" sz="1400" dirty="0" smtClean="0">
-                <a:latin typeface="微软雅黑" panose="020B0503020204020204" pitchFamily="34" charset="-122"/>
-                <a:ea typeface="微软雅黑" panose="020B0503020204020204" pitchFamily="34" charset="-122"/>
-              </a:rPr>
-              <a:t>朋友圈</a:t>
-            </a:r>
-            <a:endParaRPr lang="en-US" altLang="zh-CN" sz="1400" dirty="0" smtClean="0">
-              <a:latin typeface="微软雅黑" panose="020B0503020204020204" pitchFamily="34" charset="-122"/>
-              <a:ea typeface="微软雅黑" panose="020B0503020204020204" pitchFamily="34" charset="-122"/>
-            </a:endParaRPr>
-          </a:p>
-          <a:p>
-            <a:pPr algn="ctr"/>
-            <a:endParaRPr lang="en-US" altLang="zh-CN" sz="1400" dirty="0">
-              <a:latin typeface="微软雅黑" panose="020B0503020204020204" pitchFamily="34" charset="-122"/>
-              <a:ea typeface="微软雅黑" panose="020B0503020204020204" pitchFamily="34" charset="-122"/>
-            </a:endParaRPr>
-          </a:p>
-          <a:p>
-            <a:pPr algn="ctr"/>
-            <a:endParaRPr lang="en-US" altLang="zh-CN" sz="1400" dirty="0">
-              <a:latin typeface="微软雅黑" panose="020B0503020204020204" pitchFamily="34" charset="-122"/>
-              <a:ea typeface="微软雅黑" panose="020B0503020204020204" pitchFamily="34" charset="-122"/>
-            </a:endParaRPr>
-          </a:p>
-          <a:p>
-            <a:pPr algn="ctr"/>
-            <a:endParaRPr lang="en-US" altLang="zh-CN" sz="1400" dirty="0" smtClean="0">
-              <a:latin typeface="微软雅黑" panose="020B0503020204020204" pitchFamily="34" charset="-122"/>
-              <a:ea typeface="微软雅黑" panose="020B0503020204020204" pitchFamily="34" charset="-122"/>
-            </a:endParaRPr>
-          </a:p>
-          <a:p>
-            <a:pPr algn="ctr"/>
-            <a:endParaRPr lang="en-US" altLang="zh-CN" sz="1400" dirty="0">
-              <a:latin typeface="微软雅黑" panose="020B0503020204020204" pitchFamily="34" charset="-122"/>
-              <a:ea typeface="微软雅黑" panose="020B0503020204020204" pitchFamily="34" charset="-122"/>
-            </a:endParaRPr>
-          </a:p>
-          <a:p>
-            <a:pPr algn="ctr"/>
-            <a:endParaRPr lang="en-US" altLang="zh-CN" sz="1400" dirty="0" smtClean="0">
-              <a:latin typeface="微软雅黑" panose="020B0503020204020204" pitchFamily="34" charset="-122"/>
-              <a:ea typeface="微软雅黑" panose="020B0503020204020204" pitchFamily="34" charset="-122"/>
-            </a:endParaRPr>
-          </a:p>
-          <a:p>
-            <a:pPr algn="ctr"/>
-            <a:endParaRPr lang="en-US" altLang="zh-CN" sz="1400" dirty="0">
-              <a:latin typeface="微软雅黑" panose="020B0503020204020204" pitchFamily="34" charset="-122"/>
-              <a:ea typeface="微软雅黑" panose="020B0503020204020204" pitchFamily="34" charset="-122"/>
-            </a:endParaRPr>
-          </a:p>
-          <a:p>
-            <a:pPr algn="ctr"/>
-            <a:endParaRPr lang="zh-CN" altLang="en-US" sz="1400" dirty="0">
-              <a:latin typeface="微软雅黑" panose="020B0503020204020204" pitchFamily="34" charset="-122"/>
-              <a:ea typeface="微软雅黑" panose="020B0503020204020204" pitchFamily="34" charset="-122"/>
-            </a:endParaRPr>
-          </a:p>
-        </p:txBody>
-      </p:sp>
-      <p:sp>
-        <p:nvSpPr>
-          <p:cNvPr id="8" name="圆角矩形 7"/>
-          <p:cNvSpPr/>
-          <p:nvPr/>
-        </p:nvSpPr>
-        <p:spPr>
-          <a:xfrm>
-            <a:off x="10289256" y="756807"/>
-            <a:ext cx="1020740" cy="594804"/>
-          </a:xfrm>
-          <a:prstGeom prst="roundRect">
-            <a:avLst/>
-          </a:prstGeom>
-        </p:spPr>
-        <p:style>
-          <a:lnRef idx="2">
-            <a:schemeClr val="accent2">
-              <a:shade val="50000"/>
-            </a:schemeClr>
-          </a:lnRef>
-          <a:fillRef idx="1">
-            <a:schemeClr val="accent2"/>
-          </a:fillRef>
-          <a:effectRef idx="0">
-            <a:schemeClr val="accent2"/>
-          </a:effectRef>
-          <a:fontRef idx="minor">
-            <a:schemeClr val="lt1"/>
-          </a:fontRef>
-        </p:style>
-        <p:txBody>
-          <a:bodyPr rtlCol="0" anchor="ctr"/>
-          <a:lstStyle/>
-          <a:p>
-            <a:pPr algn="ctr"/>
-            <a:r>
-              <a:rPr lang="zh-CN" altLang="en-US" sz="1400" dirty="0">
-                <a:latin typeface="微软雅黑" panose="020B0503020204020204" pitchFamily="34" charset="-122"/>
-                <a:ea typeface="微软雅黑" panose="020B0503020204020204" pitchFamily="34" charset="-122"/>
-              </a:rPr>
-              <a:t>公众号</a:t>
-            </a:r>
-          </a:p>
-        </p:txBody>
-      </p:sp>
-      <p:sp>
-        <p:nvSpPr>
-          <p:cNvPr id="11" name="圆角矩形 10"/>
-          <p:cNvSpPr/>
-          <p:nvPr/>
-        </p:nvSpPr>
-        <p:spPr>
-          <a:xfrm>
-            <a:off x="8944859" y="760803"/>
-            <a:ext cx="1128476" cy="594804"/>
-          </a:xfrm>
-          <a:prstGeom prst="roundRect">
-            <a:avLst/>
-          </a:prstGeom>
-        </p:spPr>
-        <p:style>
-          <a:lnRef idx="2">
-            <a:schemeClr val="accent2">
-              <a:shade val="50000"/>
-            </a:schemeClr>
-          </a:lnRef>
-          <a:fillRef idx="1">
-            <a:schemeClr val="accent2"/>
-          </a:fillRef>
-          <a:effectRef idx="0">
-            <a:schemeClr val="accent2"/>
-          </a:effectRef>
-          <a:fontRef idx="minor">
-            <a:schemeClr val="lt1"/>
-          </a:fontRef>
-        </p:style>
-        <p:txBody>
-          <a:bodyPr rtlCol="0" anchor="ctr"/>
-          <a:lstStyle/>
-          <a:p>
-            <a:pPr algn="ctr"/>
-            <a:r>
-              <a:rPr lang="zh-CN" altLang="en-US" sz="1400" dirty="0">
-                <a:latin typeface="微软雅黑" panose="020B0503020204020204" pitchFamily="34" charset="-122"/>
-                <a:ea typeface="微软雅黑" panose="020B0503020204020204" pitchFamily="34" charset="-122"/>
-              </a:rPr>
-              <a:t>订阅号</a:t>
-            </a:r>
-          </a:p>
-        </p:txBody>
-      </p:sp>
-      <p:sp>
-        <p:nvSpPr>
-          <p:cNvPr id="12" name="圆角矩形 11"/>
-          <p:cNvSpPr/>
-          <p:nvPr/>
-        </p:nvSpPr>
-        <p:spPr>
-          <a:xfrm>
-            <a:off x="9598379" y="2915645"/>
-            <a:ext cx="949911" cy="594804"/>
-          </a:xfrm>
-          <a:prstGeom prst="roundRect">
-            <a:avLst/>
-          </a:prstGeom>
-        </p:spPr>
-        <p:style>
-          <a:lnRef idx="2">
-            <a:schemeClr val="accent2">
-              <a:shade val="50000"/>
-            </a:schemeClr>
-          </a:lnRef>
-          <a:fillRef idx="1">
-            <a:schemeClr val="accent2"/>
-          </a:fillRef>
-          <a:effectRef idx="0">
-            <a:schemeClr val="accent2"/>
-          </a:effectRef>
-          <a:fontRef idx="minor">
-            <a:schemeClr val="lt1"/>
-          </a:fontRef>
-        </p:style>
-        <p:txBody>
-          <a:bodyPr rtlCol="0" anchor="ctr"/>
-          <a:lstStyle/>
-          <a:p>
-            <a:pPr algn="ctr"/>
-            <a:r>
-              <a:rPr lang="zh-CN" altLang="en-US" sz="1400" dirty="0" smtClean="0">
-                <a:latin typeface="微软雅黑" panose="020B0503020204020204" pitchFamily="34" charset="-122"/>
-                <a:ea typeface="微软雅黑" panose="020B0503020204020204" pitchFamily="34" charset="-122"/>
-              </a:rPr>
-              <a:t>小游戏</a:t>
-            </a:r>
-            <a:endParaRPr lang="zh-CN" altLang="en-US" sz="1400" dirty="0">
-              <a:latin typeface="微软雅黑" panose="020B0503020204020204" pitchFamily="34" charset="-122"/>
-              <a:ea typeface="微软雅黑" panose="020B0503020204020204" pitchFamily="34" charset="-122"/>
-            </a:endParaRPr>
-          </a:p>
-        </p:txBody>
-      </p:sp>
-      <p:sp>
-        <p:nvSpPr>
-          <p:cNvPr id="13" name="圆角矩形 12"/>
-          <p:cNvSpPr/>
-          <p:nvPr/>
-        </p:nvSpPr>
-        <p:spPr>
-          <a:xfrm>
-            <a:off x="7314104" y="3920432"/>
-            <a:ext cx="2475355" cy="2792340"/>
-          </a:xfrm>
-          <a:prstGeom prst="roundRect">
-            <a:avLst/>
-          </a:prstGeom>
-        </p:spPr>
-        <p:style>
-          <a:lnRef idx="2">
-            <a:schemeClr val="accent1">
-              <a:shade val="50000"/>
-            </a:schemeClr>
-          </a:lnRef>
-          <a:fillRef idx="1">
-            <a:schemeClr val="accent1"/>
-          </a:fillRef>
-          <a:effectRef idx="0">
-            <a:schemeClr val="accent1"/>
-          </a:effectRef>
-          <a:fontRef idx="minor">
-            <a:schemeClr val="lt1"/>
-          </a:fontRef>
-        </p:style>
-        <p:txBody>
-          <a:bodyPr rtlCol="0" anchor="ctr"/>
-          <a:lstStyle/>
-          <a:p>
-            <a:pPr algn="ctr"/>
-            <a:r>
-              <a:rPr lang="zh-CN" altLang="en-US" sz="1400" dirty="0" smtClean="0">
-                <a:latin typeface="微软雅黑" panose="020B0503020204020204" pitchFamily="34" charset="-122"/>
-                <a:ea typeface="微软雅黑" panose="020B0503020204020204" pitchFamily="34" charset="-122"/>
-              </a:rPr>
-              <a:t>聊天对话</a:t>
-            </a:r>
-            <a:endParaRPr lang="en-US" altLang="zh-CN" sz="1400" dirty="0" smtClean="0">
-              <a:latin typeface="微软雅黑" panose="020B0503020204020204" pitchFamily="34" charset="-122"/>
-              <a:ea typeface="微软雅黑" panose="020B0503020204020204" pitchFamily="34" charset="-122"/>
-            </a:endParaRPr>
-          </a:p>
-          <a:p>
-            <a:pPr algn="ctr"/>
-            <a:endParaRPr lang="en-US" altLang="zh-CN" sz="1400" dirty="0">
-              <a:latin typeface="微软雅黑" panose="020B0503020204020204" pitchFamily="34" charset="-122"/>
-              <a:ea typeface="微软雅黑" panose="020B0503020204020204" pitchFamily="34" charset="-122"/>
-            </a:endParaRPr>
-          </a:p>
-          <a:p>
-            <a:pPr algn="ctr"/>
-            <a:endParaRPr lang="en-US" altLang="zh-CN" sz="1400" dirty="0" smtClean="0">
-              <a:latin typeface="微软雅黑" panose="020B0503020204020204" pitchFamily="34" charset="-122"/>
-              <a:ea typeface="微软雅黑" panose="020B0503020204020204" pitchFamily="34" charset="-122"/>
-            </a:endParaRPr>
-          </a:p>
-          <a:p>
-            <a:pPr algn="ctr"/>
-            <a:endParaRPr lang="en-US" altLang="zh-CN" sz="1400" dirty="0" smtClean="0">
-              <a:latin typeface="微软雅黑" panose="020B0503020204020204" pitchFamily="34" charset="-122"/>
-              <a:ea typeface="微软雅黑" panose="020B0503020204020204" pitchFamily="34" charset="-122"/>
-            </a:endParaRPr>
-          </a:p>
-          <a:p>
-            <a:pPr algn="ctr"/>
-            <a:endParaRPr lang="en-US" altLang="zh-CN" sz="1400" dirty="0">
-              <a:latin typeface="微软雅黑" panose="020B0503020204020204" pitchFamily="34" charset="-122"/>
-              <a:ea typeface="微软雅黑" panose="020B0503020204020204" pitchFamily="34" charset="-122"/>
-            </a:endParaRPr>
-          </a:p>
-          <a:p>
-            <a:pPr algn="ctr"/>
-            <a:endParaRPr lang="en-US" altLang="zh-CN" sz="1400" dirty="0" smtClean="0">
-              <a:latin typeface="微软雅黑" panose="020B0503020204020204" pitchFamily="34" charset="-122"/>
-              <a:ea typeface="微软雅黑" panose="020B0503020204020204" pitchFamily="34" charset="-122"/>
-            </a:endParaRPr>
-          </a:p>
-          <a:p>
-            <a:pPr algn="ctr"/>
-            <a:endParaRPr lang="en-US" altLang="zh-CN" sz="1400" dirty="0">
-              <a:latin typeface="微软雅黑" panose="020B0503020204020204" pitchFamily="34" charset="-122"/>
-              <a:ea typeface="微软雅黑" panose="020B0503020204020204" pitchFamily="34" charset="-122"/>
-            </a:endParaRPr>
-          </a:p>
-          <a:p>
-            <a:pPr algn="ctr"/>
-            <a:endParaRPr lang="en-US" altLang="zh-CN" sz="1400" dirty="0" smtClean="0">
-              <a:latin typeface="微软雅黑" panose="020B0503020204020204" pitchFamily="34" charset="-122"/>
-              <a:ea typeface="微软雅黑" panose="020B0503020204020204" pitchFamily="34" charset="-122"/>
-            </a:endParaRPr>
-          </a:p>
-          <a:p>
-            <a:pPr algn="ctr"/>
-            <a:endParaRPr lang="en-US" altLang="zh-CN" sz="1400" dirty="0">
-              <a:latin typeface="微软雅黑" panose="020B0503020204020204" pitchFamily="34" charset="-122"/>
-              <a:ea typeface="微软雅黑" panose="020B0503020204020204" pitchFamily="34" charset="-122"/>
-            </a:endParaRPr>
-          </a:p>
-          <a:p>
-            <a:pPr algn="ctr"/>
-            <a:endParaRPr lang="en-US" altLang="zh-CN" sz="1400" dirty="0" smtClean="0">
-              <a:latin typeface="微软雅黑" panose="020B0503020204020204" pitchFamily="34" charset="-122"/>
-              <a:ea typeface="微软雅黑" panose="020B0503020204020204" pitchFamily="34" charset="-122"/>
-            </a:endParaRPr>
-          </a:p>
-          <a:p>
-            <a:pPr algn="ctr"/>
-            <a:endParaRPr lang="zh-CN" altLang="en-US" sz="1400" dirty="0">
-              <a:latin typeface="微软雅黑" panose="020B0503020204020204" pitchFamily="34" charset="-122"/>
-              <a:ea typeface="微软雅黑" panose="020B0503020204020204" pitchFamily="34" charset="-122"/>
-            </a:endParaRPr>
-          </a:p>
-        </p:txBody>
-      </p:sp>
-      <p:sp>
-        <p:nvSpPr>
-          <p:cNvPr id="17" name="圆角矩形 16"/>
-          <p:cNvSpPr/>
-          <p:nvPr/>
-        </p:nvSpPr>
-        <p:spPr>
-          <a:xfrm>
-            <a:off x="6000173" y="1334092"/>
-            <a:ext cx="949911" cy="594804"/>
-          </a:xfrm>
-          <a:prstGeom prst="roundRect">
-            <a:avLst/>
-          </a:prstGeom>
-        </p:spPr>
-        <p:style>
-          <a:lnRef idx="2">
-            <a:schemeClr val="accent2">
-              <a:shade val="50000"/>
-            </a:schemeClr>
-          </a:lnRef>
-          <a:fillRef idx="1">
-            <a:schemeClr val="accent2"/>
-          </a:fillRef>
-          <a:effectRef idx="0">
-            <a:schemeClr val="accent2"/>
-          </a:effectRef>
-          <a:fontRef idx="minor">
-            <a:schemeClr val="lt1"/>
-          </a:fontRef>
-        </p:style>
-        <p:txBody>
-          <a:bodyPr rtlCol="0" anchor="ctr"/>
-          <a:lstStyle/>
-          <a:p>
-            <a:pPr algn="ctr"/>
-            <a:r>
-              <a:rPr lang="zh-CN" altLang="en-US" sz="1400" dirty="0">
-                <a:latin typeface="微软雅黑" panose="020B0503020204020204" pitchFamily="34" charset="-122"/>
-                <a:ea typeface="微软雅黑" panose="020B0503020204020204" pitchFamily="34" charset="-122"/>
-              </a:rPr>
-              <a:t>扫一扫</a:t>
-            </a:r>
-          </a:p>
-        </p:txBody>
-      </p:sp>
-      <p:sp>
-        <p:nvSpPr>
-          <p:cNvPr id="22" name="圆角矩形 21"/>
-          <p:cNvSpPr/>
-          <p:nvPr/>
-        </p:nvSpPr>
-        <p:spPr>
-          <a:xfrm>
-            <a:off x="729218" y="1731875"/>
-            <a:ext cx="2191742" cy="3848602"/>
-          </a:xfrm>
-          <a:prstGeom prst="roundRect">
-            <a:avLst/>
-          </a:prstGeom>
-        </p:spPr>
-        <p:style>
-          <a:lnRef idx="2">
-            <a:schemeClr val="accent1">
-              <a:shade val="50000"/>
-            </a:schemeClr>
-          </a:lnRef>
-          <a:fillRef idx="1">
-            <a:schemeClr val="accent1"/>
-          </a:fillRef>
-          <a:effectRef idx="0">
-            <a:schemeClr val="accent1"/>
-          </a:effectRef>
-          <a:fontRef idx="minor">
-            <a:schemeClr val="lt1"/>
-          </a:fontRef>
-        </p:style>
-        <p:txBody>
-          <a:bodyPr rtlCol="0" anchor="ctr"/>
-          <a:lstStyle/>
-          <a:p>
-            <a:pPr algn="ctr"/>
-            <a:r>
-              <a:rPr lang="zh-CN" altLang="en-US" sz="1400" dirty="0" smtClean="0">
-                <a:latin typeface="微软雅黑" panose="020B0503020204020204" pitchFamily="34" charset="-122"/>
-                <a:ea typeface="微软雅黑" panose="020B0503020204020204" pitchFamily="34" charset="-122"/>
-              </a:rPr>
-              <a:t>支付</a:t>
-            </a:r>
-            <a:endParaRPr lang="en-US" altLang="zh-CN" sz="1400" dirty="0" smtClean="0">
-              <a:latin typeface="微软雅黑" panose="020B0503020204020204" pitchFamily="34" charset="-122"/>
-              <a:ea typeface="微软雅黑" panose="020B0503020204020204" pitchFamily="34" charset="-122"/>
-            </a:endParaRPr>
-          </a:p>
-          <a:p>
-            <a:pPr algn="ctr"/>
-            <a:endParaRPr lang="en-US" altLang="zh-CN" sz="1400" dirty="0">
-              <a:latin typeface="微软雅黑" panose="020B0503020204020204" pitchFamily="34" charset="-122"/>
-              <a:ea typeface="微软雅黑" panose="020B0503020204020204" pitchFamily="34" charset="-122"/>
-            </a:endParaRPr>
-          </a:p>
-          <a:p>
-            <a:pPr algn="ctr"/>
-            <a:endParaRPr lang="en-US" altLang="zh-CN" sz="1400" dirty="0" smtClean="0">
-              <a:latin typeface="微软雅黑" panose="020B0503020204020204" pitchFamily="34" charset="-122"/>
-              <a:ea typeface="微软雅黑" panose="020B0503020204020204" pitchFamily="34" charset="-122"/>
-            </a:endParaRPr>
-          </a:p>
-          <a:p>
-            <a:pPr algn="ctr"/>
-            <a:endParaRPr lang="en-US" altLang="zh-CN" sz="1400" dirty="0">
-              <a:latin typeface="微软雅黑" panose="020B0503020204020204" pitchFamily="34" charset="-122"/>
-              <a:ea typeface="微软雅黑" panose="020B0503020204020204" pitchFamily="34" charset="-122"/>
-            </a:endParaRPr>
-          </a:p>
-          <a:p>
-            <a:pPr algn="ctr"/>
-            <a:endParaRPr lang="en-US" altLang="zh-CN" sz="1400" dirty="0" smtClean="0">
-              <a:latin typeface="微软雅黑" panose="020B0503020204020204" pitchFamily="34" charset="-122"/>
-              <a:ea typeface="微软雅黑" panose="020B0503020204020204" pitchFamily="34" charset="-122"/>
-            </a:endParaRPr>
-          </a:p>
-          <a:p>
-            <a:pPr algn="ctr"/>
-            <a:endParaRPr lang="en-US" altLang="zh-CN" sz="1400" dirty="0">
-              <a:latin typeface="微软雅黑" panose="020B0503020204020204" pitchFamily="34" charset="-122"/>
-              <a:ea typeface="微软雅黑" panose="020B0503020204020204" pitchFamily="34" charset="-122"/>
-            </a:endParaRPr>
-          </a:p>
-          <a:p>
-            <a:pPr algn="ctr"/>
-            <a:endParaRPr lang="en-US" altLang="zh-CN" sz="1400" dirty="0" smtClean="0">
-              <a:latin typeface="微软雅黑" panose="020B0503020204020204" pitchFamily="34" charset="-122"/>
-              <a:ea typeface="微软雅黑" panose="020B0503020204020204" pitchFamily="34" charset="-122"/>
-            </a:endParaRPr>
-          </a:p>
-          <a:p>
-            <a:pPr algn="ctr"/>
-            <a:endParaRPr lang="en-US" altLang="zh-CN" sz="1400" dirty="0" smtClean="0">
-              <a:latin typeface="微软雅黑" panose="020B0503020204020204" pitchFamily="34" charset="-122"/>
-              <a:ea typeface="微软雅黑" panose="020B0503020204020204" pitchFamily="34" charset="-122"/>
-            </a:endParaRPr>
-          </a:p>
-          <a:p>
-            <a:pPr algn="ctr"/>
-            <a:endParaRPr lang="en-US" altLang="zh-CN" sz="1400" dirty="0">
-              <a:latin typeface="微软雅黑" panose="020B0503020204020204" pitchFamily="34" charset="-122"/>
-              <a:ea typeface="微软雅黑" panose="020B0503020204020204" pitchFamily="34" charset="-122"/>
-            </a:endParaRPr>
-          </a:p>
-          <a:p>
-            <a:pPr algn="ctr"/>
-            <a:endParaRPr lang="en-US" altLang="zh-CN" sz="1400" dirty="0" smtClean="0">
-              <a:latin typeface="微软雅黑" panose="020B0503020204020204" pitchFamily="34" charset="-122"/>
-              <a:ea typeface="微软雅黑" panose="020B0503020204020204" pitchFamily="34" charset="-122"/>
-            </a:endParaRPr>
-          </a:p>
-          <a:p>
-            <a:pPr algn="ctr"/>
-            <a:endParaRPr lang="en-US" altLang="zh-CN" sz="1400" dirty="0" smtClean="0">
-              <a:latin typeface="微软雅黑" panose="020B0503020204020204" pitchFamily="34" charset="-122"/>
-              <a:ea typeface="微软雅黑" panose="020B0503020204020204" pitchFamily="34" charset="-122"/>
-            </a:endParaRPr>
-          </a:p>
-          <a:p>
-            <a:pPr algn="ctr"/>
-            <a:endParaRPr lang="en-US" altLang="zh-CN" sz="1400" dirty="0" smtClean="0">
-              <a:latin typeface="微软雅黑" panose="020B0503020204020204" pitchFamily="34" charset="-122"/>
-              <a:ea typeface="微软雅黑" panose="020B0503020204020204" pitchFamily="34" charset="-122"/>
-            </a:endParaRPr>
-          </a:p>
-          <a:p>
-            <a:pPr algn="ctr"/>
-            <a:endParaRPr lang="en-US" altLang="zh-CN" sz="1400" dirty="0" smtClean="0">
-              <a:latin typeface="微软雅黑" panose="020B0503020204020204" pitchFamily="34" charset="-122"/>
-              <a:ea typeface="微软雅黑" panose="020B0503020204020204" pitchFamily="34" charset="-122"/>
-            </a:endParaRPr>
-          </a:p>
-          <a:p>
-            <a:pPr algn="ctr"/>
-            <a:endParaRPr lang="en-US" altLang="zh-CN" sz="1400" dirty="0" smtClean="0">
-              <a:latin typeface="微软雅黑" panose="020B0503020204020204" pitchFamily="34" charset="-122"/>
-              <a:ea typeface="微软雅黑" panose="020B0503020204020204" pitchFamily="34" charset="-122"/>
-            </a:endParaRPr>
-          </a:p>
-          <a:p>
-            <a:pPr algn="ctr"/>
-            <a:endParaRPr lang="en-US" altLang="zh-CN" sz="1400" dirty="0" smtClean="0">
-              <a:latin typeface="微软雅黑" panose="020B0503020204020204" pitchFamily="34" charset="-122"/>
-              <a:ea typeface="微软雅黑" panose="020B0503020204020204" pitchFamily="34" charset="-122"/>
-            </a:endParaRPr>
-          </a:p>
-          <a:p>
-            <a:pPr algn="ctr"/>
-            <a:endParaRPr lang="en-US" altLang="zh-CN" sz="1400" dirty="0" smtClean="0">
-              <a:latin typeface="微软雅黑" panose="020B0503020204020204" pitchFamily="34" charset="-122"/>
-              <a:ea typeface="微软雅黑" panose="020B0503020204020204" pitchFamily="34" charset="-122"/>
-            </a:endParaRPr>
-          </a:p>
-          <a:p>
-            <a:pPr algn="ctr"/>
-            <a:endParaRPr lang="zh-CN" altLang="en-US" sz="1400" dirty="0">
-              <a:latin typeface="微软雅黑" panose="020B0503020204020204" pitchFamily="34" charset="-122"/>
-              <a:ea typeface="微软雅黑" panose="020B0503020204020204" pitchFamily="34" charset="-122"/>
-            </a:endParaRPr>
-          </a:p>
-        </p:txBody>
-      </p:sp>
-      <p:sp>
-        <p:nvSpPr>
-          <p:cNvPr id="18" name="圆角矩形 17"/>
-          <p:cNvSpPr/>
-          <p:nvPr/>
-        </p:nvSpPr>
-        <p:spPr>
-          <a:xfrm>
-            <a:off x="831719" y="2767061"/>
-            <a:ext cx="1999092" cy="594804"/>
-          </a:xfrm>
-          <a:prstGeom prst="roundRect">
-            <a:avLst/>
-          </a:prstGeom>
-        </p:spPr>
-        <p:style>
-          <a:lnRef idx="2">
-            <a:schemeClr val="accent2">
-              <a:shade val="50000"/>
-            </a:schemeClr>
-          </a:lnRef>
-          <a:fillRef idx="1">
-            <a:schemeClr val="accent2"/>
-          </a:fillRef>
-          <a:effectRef idx="0">
-            <a:schemeClr val="accent2"/>
-          </a:effectRef>
-          <a:fontRef idx="minor">
-            <a:schemeClr val="lt1"/>
-          </a:fontRef>
-        </p:style>
-        <p:txBody>
-          <a:bodyPr rtlCol="0" anchor="ctr"/>
-          <a:lstStyle/>
-          <a:p>
-            <a:pPr algn="ctr"/>
-            <a:r>
-              <a:rPr lang="zh-CN" altLang="en-US" sz="1400" dirty="0" smtClean="0">
-                <a:latin typeface="微软雅黑" panose="020B0503020204020204" pitchFamily="34" charset="-122"/>
-                <a:ea typeface="微软雅黑" panose="020B0503020204020204" pitchFamily="34" charset="-122"/>
-              </a:rPr>
-              <a:t>收付款</a:t>
-            </a:r>
-            <a:endParaRPr lang="zh-CN" altLang="en-US" sz="1400" dirty="0">
-              <a:latin typeface="微软雅黑" panose="020B0503020204020204" pitchFamily="34" charset="-122"/>
-              <a:ea typeface="微软雅黑" panose="020B0503020204020204" pitchFamily="34" charset="-122"/>
-            </a:endParaRPr>
-          </a:p>
-        </p:txBody>
-      </p:sp>
-      <p:sp>
-        <p:nvSpPr>
-          <p:cNvPr id="23" name="圆角矩形 22"/>
-          <p:cNvSpPr/>
-          <p:nvPr/>
-        </p:nvSpPr>
-        <p:spPr>
-          <a:xfrm>
-            <a:off x="842611" y="2097953"/>
-            <a:ext cx="949911" cy="594804"/>
-          </a:xfrm>
-          <a:prstGeom prst="roundRect">
-            <a:avLst/>
-          </a:prstGeom>
-        </p:spPr>
-        <p:style>
-          <a:lnRef idx="2">
-            <a:schemeClr val="accent2">
-              <a:shade val="50000"/>
-            </a:schemeClr>
-          </a:lnRef>
-          <a:fillRef idx="1">
-            <a:schemeClr val="accent2"/>
-          </a:fillRef>
-          <a:effectRef idx="0">
-            <a:schemeClr val="accent2"/>
-          </a:effectRef>
-          <a:fontRef idx="minor">
-            <a:schemeClr val="lt1"/>
-          </a:fontRef>
-        </p:style>
-        <p:txBody>
-          <a:bodyPr rtlCol="0" anchor="ctr"/>
-          <a:lstStyle/>
-          <a:p>
-            <a:pPr algn="ctr"/>
-            <a:r>
-              <a:rPr lang="zh-CN" altLang="en-US" sz="1400" dirty="0" smtClean="0">
-                <a:latin typeface="微软雅黑" panose="020B0503020204020204" pitchFamily="34" charset="-122"/>
-                <a:ea typeface="微软雅黑" panose="020B0503020204020204" pitchFamily="34" charset="-122"/>
-              </a:rPr>
-              <a:t>红包</a:t>
-            </a:r>
-            <a:endParaRPr lang="zh-CN" altLang="en-US" sz="1400" dirty="0">
-              <a:latin typeface="微软雅黑" panose="020B0503020204020204" pitchFamily="34" charset="-122"/>
-              <a:ea typeface="微软雅黑" panose="020B0503020204020204" pitchFamily="34" charset="-122"/>
-            </a:endParaRPr>
-          </a:p>
-        </p:txBody>
-      </p:sp>
-      <p:sp>
-        <p:nvSpPr>
-          <p:cNvPr id="24" name="圆角矩形 23"/>
-          <p:cNvSpPr/>
-          <p:nvPr/>
-        </p:nvSpPr>
-        <p:spPr>
-          <a:xfrm>
-            <a:off x="819365" y="3413489"/>
-            <a:ext cx="2011446" cy="594804"/>
-          </a:xfrm>
-          <a:prstGeom prst="roundRect">
-            <a:avLst/>
-          </a:prstGeom>
-        </p:spPr>
-        <p:style>
-          <a:lnRef idx="2">
-            <a:schemeClr val="accent2">
-              <a:shade val="50000"/>
-            </a:schemeClr>
-          </a:lnRef>
-          <a:fillRef idx="1">
-            <a:schemeClr val="accent2"/>
-          </a:fillRef>
-          <a:effectRef idx="0">
-            <a:schemeClr val="accent2"/>
-          </a:effectRef>
-          <a:fontRef idx="minor">
-            <a:schemeClr val="lt1"/>
-          </a:fontRef>
-        </p:style>
-        <p:txBody>
-          <a:bodyPr rtlCol="0" anchor="ctr"/>
-          <a:lstStyle/>
-          <a:p>
-            <a:pPr algn="ctr"/>
-            <a:r>
-              <a:rPr lang="zh-CN" altLang="en-US" sz="1400" dirty="0" smtClean="0">
-                <a:latin typeface="微软雅黑" panose="020B0503020204020204" pitchFamily="34" charset="-122"/>
-                <a:ea typeface="微软雅黑" panose="020B0503020204020204" pitchFamily="34" charset="-122"/>
-              </a:rPr>
-              <a:t>金融理财</a:t>
-            </a:r>
-            <a:endParaRPr lang="zh-CN" altLang="en-US" sz="1400" dirty="0">
-              <a:latin typeface="微软雅黑" panose="020B0503020204020204" pitchFamily="34" charset="-122"/>
-              <a:ea typeface="微软雅黑" panose="020B0503020204020204" pitchFamily="34" charset="-122"/>
-            </a:endParaRPr>
-          </a:p>
-        </p:txBody>
-      </p:sp>
-      <p:sp>
-        <p:nvSpPr>
-          <p:cNvPr id="25" name="圆角矩形 24"/>
-          <p:cNvSpPr/>
-          <p:nvPr/>
-        </p:nvSpPr>
-        <p:spPr>
-          <a:xfrm>
-            <a:off x="831718" y="4779689"/>
-            <a:ext cx="2011447" cy="594804"/>
-          </a:xfrm>
-          <a:prstGeom prst="roundRect">
-            <a:avLst/>
-          </a:prstGeom>
-        </p:spPr>
-        <p:style>
-          <a:lnRef idx="2">
-            <a:schemeClr val="accent2">
-              <a:shade val="50000"/>
-            </a:schemeClr>
-          </a:lnRef>
-          <a:fillRef idx="1">
-            <a:schemeClr val="accent2"/>
-          </a:fillRef>
-          <a:effectRef idx="0">
-            <a:schemeClr val="accent2"/>
-          </a:effectRef>
-          <a:fontRef idx="minor">
-            <a:schemeClr val="lt1"/>
-          </a:fontRef>
-        </p:style>
-        <p:txBody>
-          <a:bodyPr rtlCol="0" anchor="ctr"/>
-          <a:lstStyle/>
-          <a:p>
-            <a:pPr algn="ctr"/>
-            <a:r>
-              <a:rPr lang="zh-CN" altLang="en-US" sz="1400" dirty="0" smtClean="0">
-                <a:latin typeface="微软雅黑" panose="020B0503020204020204" pitchFamily="34" charset="-122"/>
-                <a:ea typeface="微软雅黑" panose="020B0503020204020204" pitchFamily="34" charset="-122"/>
-              </a:rPr>
-              <a:t>购物消费</a:t>
-            </a:r>
-            <a:endParaRPr lang="zh-CN" altLang="en-US" sz="1400" dirty="0">
-              <a:latin typeface="微软雅黑" panose="020B0503020204020204" pitchFamily="34" charset="-122"/>
-              <a:ea typeface="微软雅黑" panose="020B0503020204020204" pitchFamily="34" charset="-122"/>
-            </a:endParaRPr>
-          </a:p>
-        </p:txBody>
-      </p:sp>
-      <p:sp>
-        <p:nvSpPr>
-          <p:cNvPr id="26" name="圆角矩形 25"/>
-          <p:cNvSpPr/>
-          <p:nvPr/>
-        </p:nvSpPr>
-        <p:spPr>
-          <a:xfrm>
-            <a:off x="819365" y="4091755"/>
-            <a:ext cx="2011447" cy="594804"/>
-          </a:xfrm>
-          <a:prstGeom prst="roundRect">
-            <a:avLst/>
-          </a:prstGeom>
-        </p:spPr>
-        <p:style>
-          <a:lnRef idx="2">
-            <a:schemeClr val="accent2">
-              <a:shade val="50000"/>
-            </a:schemeClr>
-          </a:lnRef>
-          <a:fillRef idx="1">
-            <a:schemeClr val="accent2"/>
-          </a:fillRef>
-          <a:effectRef idx="0">
-            <a:schemeClr val="accent2"/>
-          </a:effectRef>
-          <a:fontRef idx="minor">
-            <a:schemeClr val="lt1"/>
-          </a:fontRef>
-        </p:style>
-        <p:txBody>
-          <a:bodyPr rtlCol="0" anchor="ctr"/>
-          <a:lstStyle/>
-          <a:p>
-            <a:pPr algn="ctr"/>
-            <a:r>
-              <a:rPr lang="zh-CN" altLang="en-US" sz="1400" dirty="0" smtClean="0">
-                <a:latin typeface="微软雅黑" panose="020B0503020204020204" pitchFamily="34" charset="-122"/>
-                <a:ea typeface="微软雅黑" panose="020B0503020204020204" pitchFamily="34" charset="-122"/>
-              </a:rPr>
-              <a:t>交通出行</a:t>
-            </a:r>
-            <a:endParaRPr lang="zh-CN" altLang="en-US" sz="1400" dirty="0">
-              <a:latin typeface="微软雅黑" panose="020B0503020204020204" pitchFamily="34" charset="-122"/>
-              <a:ea typeface="微软雅黑" panose="020B0503020204020204" pitchFamily="34" charset="-122"/>
-            </a:endParaRPr>
-          </a:p>
-        </p:txBody>
-      </p:sp>
-      <p:sp>
-        <p:nvSpPr>
-          <p:cNvPr id="9" name="圆角矩形 8"/>
-          <p:cNvSpPr/>
-          <p:nvPr/>
-        </p:nvSpPr>
-        <p:spPr>
-          <a:xfrm>
-            <a:off x="7563216" y="5897504"/>
-            <a:ext cx="1949272" cy="594804"/>
-          </a:xfrm>
-          <a:prstGeom prst="roundRect">
-            <a:avLst/>
-          </a:prstGeom>
-        </p:spPr>
-        <p:style>
-          <a:lnRef idx="2">
-            <a:schemeClr val="accent2">
-              <a:shade val="50000"/>
-            </a:schemeClr>
-          </a:lnRef>
-          <a:fillRef idx="1">
-            <a:schemeClr val="accent2"/>
-          </a:fillRef>
-          <a:effectRef idx="0">
-            <a:schemeClr val="accent2"/>
-          </a:effectRef>
-          <a:fontRef idx="minor">
-            <a:schemeClr val="lt1"/>
-          </a:fontRef>
-        </p:style>
-        <p:txBody>
-          <a:bodyPr rtlCol="0" anchor="ctr"/>
-          <a:lstStyle/>
-          <a:p>
-            <a:pPr algn="ctr"/>
-            <a:r>
-              <a:rPr lang="zh-CN" altLang="en-US" sz="1400" dirty="0" smtClean="0">
-                <a:latin typeface="微软雅黑" panose="020B0503020204020204" pitchFamily="34" charset="-122"/>
-                <a:ea typeface="微软雅黑" panose="020B0503020204020204" pitchFamily="34" charset="-122"/>
-              </a:rPr>
-              <a:t>语音聊天</a:t>
-            </a:r>
-            <a:endParaRPr lang="zh-CN" altLang="en-US" sz="1400" dirty="0">
-              <a:latin typeface="微软雅黑" panose="020B0503020204020204" pitchFamily="34" charset="-122"/>
-              <a:ea typeface="微软雅黑" panose="020B0503020204020204" pitchFamily="34" charset="-122"/>
-            </a:endParaRPr>
-          </a:p>
-        </p:txBody>
-      </p:sp>
-      <p:sp>
-        <p:nvSpPr>
-          <p:cNvPr id="27" name="圆角矩形 26"/>
-          <p:cNvSpPr/>
-          <p:nvPr/>
-        </p:nvSpPr>
-        <p:spPr>
-          <a:xfrm>
-            <a:off x="8944859" y="1422083"/>
-            <a:ext cx="1128476" cy="594804"/>
-          </a:xfrm>
-          <a:prstGeom prst="roundRect">
-            <a:avLst/>
-          </a:prstGeom>
-        </p:spPr>
-        <p:style>
-          <a:lnRef idx="2">
-            <a:schemeClr val="accent2">
-              <a:shade val="50000"/>
-            </a:schemeClr>
-          </a:lnRef>
-          <a:fillRef idx="1">
-            <a:schemeClr val="accent2"/>
-          </a:fillRef>
-          <a:effectRef idx="0">
-            <a:schemeClr val="accent2"/>
-          </a:effectRef>
-          <a:fontRef idx="minor">
-            <a:schemeClr val="lt1"/>
-          </a:fontRef>
-        </p:style>
-        <p:txBody>
-          <a:bodyPr rtlCol="0" anchor="ctr"/>
-          <a:lstStyle/>
-          <a:p>
-            <a:pPr algn="ctr"/>
-            <a:r>
-              <a:rPr lang="zh-CN" altLang="en-US" sz="1400" dirty="0">
-                <a:latin typeface="微软雅黑" panose="020B0503020204020204" pitchFamily="34" charset="-122"/>
-                <a:ea typeface="微软雅黑" panose="020B0503020204020204" pitchFamily="34" charset="-122"/>
-              </a:rPr>
-              <a:t>服务通知</a:t>
-            </a:r>
-          </a:p>
-        </p:txBody>
-      </p:sp>
-      <p:sp>
-        <p:nvSpPr>
-          <p:cNvPr id="7" name="圆角矩形 6"/>
-          <p:cNvSpPr/>
-          <p:nvPr/>
-        </p:nvSpPr>
-        <p:spPr>
-          <a:xfrm>
-            <a:off x="8609329" y="4563184"/>
-            <a:ext cx="903159" cy="594804"/>
-          </a:xfrm>
-          <a:prstGeom prst="roundRect">
-            <a:avLst/>
-          </a:prstGeom>
-        </p:spPr>
-        <p:style>
-          <a:lnRef idx="2">
-            <a:schemeClr val="accent2">
-              <a:shade val="50000"/>
-            </a:schemeClr>
-          </a:lnRef>
-          <a:fillRef idx="1">
-            <a:schemeClr val="accent2"/>
-          </a:fillRef>
-          <a:effectRef idx="0">
-            <a:schemeClr val="accent2"/>
-          </a:effectRef>
-          <a:fontRef idx="minor">
-            <a:schemeClr val="lt1"/>
-          </a:fontRef>
-        </p:style>
-        <p:txBody>
-          <a:bodyPr rtlCol="0" anchor="ctr"/>
-          <a:lstStyle/>
-          <a:p>
-            <a:pPr algn="ctr"/>
-            <a:r>
-              <a:rPr lang="zh-CN" altLang="en-US" sz="1400" dirty="0">
-                <a:latin typeface="微软雅黑" panose="020B0503020204020204" pitchFamily="34" charset="-122"/>
-                <a:ea typeface="微软雅黑" panose="020B0503020204020204" pitchFamily="34" charset="-122"/>
-              </a:rPr>
-              <a:t>群聊</a:t>
-            </a:r>
-          </a:p>
-        </p:txBody>
-      </p:sp>
-      <p:sp>
-        <p:nvSpPr>
-          <p:cNvPr id="28" name="圆角矩形 27"/>
-          <p:cNvSpPr/>
-          <p:nvPr/>
-        </p:nvSpPr>
-        <p:spPr>
-          <a:xfrm>
-            <a:off x="6000174" y="1985310"/>
-            <a:ext cx="1980260" cy="594804"/>
-          </a:xfrm>
-          <a:prstGeom prst="roundRect">
-            <a:avLst/>
-          </a:prstGeom>
-        </p:spPr>
-        <p:style>
-          <a:lnRef idx="2">
-            <a:schemeClr val="accent2">
-              <a:shade val="50000"/>
-            </a:schemeClr>
-          </a:lnRef>
-          <a:fillRef idx="1">
-            <a:schemeClr val="accent2"/>
-          </a:fillRef>
-          <a:effectRef idx="0">
-            <a:schemeClr val="accent2"/>
-          </a:effectRef>
-          <a:fontRef idx="minor">
-            <a:schemeClr val="lt1"/>
-          </a:fontRef>
-        </p:style>
-        <p:txBody>
-          <a:bodyPr rtlCol="0" anchor="ctr"/>
-          <a:lstStyle/>
-          <a:p>
-            <a:pPr algn="ctr"/>
-            <a:r>
-              <a:rPr lang="zh-CN" altLang="en-US" sz="1400" dirty="0">
-                <a:latin typeface="微软雅黑" panose="020B0503020204020204" pitchFamily="34" charset="-122"/>
-                <a:ea typeface="微软雅黑" panose="020B0503020204020204" pitchFamily="34" charset="-122"/>
-              </a:rPr>
-              <a:t>漂流瓶</a:t>
-            </a:r>
-          </a:p>
-        </p:txBody>
-      </p:sp>
-      <p:sp>
-        <p:nvSpPr>
-          <p:cNvPr id="29" name="圆角矩形 28"/>
-          <p:cNvSpPr/>
-          <p:nvPr/>
-        </p:nvSpPr>
-        <p:spPr>
-          <a:xfrm>
-            <a:off x="7020913" y="1351611"/>
-            <a:ext cx="949911" cy="594804"/>
-          </a:xfrm>
-          <a:prstGeom prst="roundRect">
-            <a:avLst/>
-          </a:prstGeom>
-        </p:spPr>
-        <p:style>
-          <a:lnRef idx="2">
-            <a:schemeClr val="accent2">
-              <a:shade val="50000"/>
-            </a:schemeClr>
-          </a:lnRef>
-          <a:fillRef idx="1">
-            <a:schemeClr val="accent2"/>
-          </a:fillRef>
-          <a:effectRef idx="0">
-            <a:schemeClr val="accent2"/>
-          </a:effectRef>
-          <a:fontRef idx="minor">
-            <a:schemeClr val="lt1"/>
-          </a:fontRef>
-        </p:style>
-        <p:txBody>
-          <a:bodyPr rtlCol="0" anchor="ctr"/>
-          <a:lstStyle/>
-          <a:p>
-            <a:pPr algn="ctr"/>
-            <a:r>
-              <a:rPr lang="zh-CN" altLang="en-US" sz="1400" dirty="0">
-                <a:latin typeface="微软雅黑" panose="020B0503020204020204" pitchFamily="34" charset="-122"/>
-                <a:ea typeface="微软雅黑" panose="020B0503020204020204" pitchFamily="34" charset="-122"/>
-              </a:rPr>
-              <a:t>摇一摇</a:t>
-            </a:r>
-          </a:p>
-        </p:txBody>
-      </p:sp>
-      <p:sp>
-        <p:nvSpPr>
-          <p:cNvPr id="35" name="圆角矩形 34"/>
-          <p:cNvSpPr/>
-          <p:nvPr/>
-        </p:nvSpPr>
-        <p:spPr>
-          <a:xfrm>
-            <a:off x="3961658" y="1232193"/>
-            <a:ext cx="1178881" cy="594804"/>
-          </a:xfrm>
-          <a:prstGeom prst="roundRect">
-            <a:avLst/>
-          </a:prstGeom>
-        </p:spPr>
-        <p:style>
-          <a:lnRef idx="2">
-            <a:schemeClr val="accent2">
-              <a:shade val="50000"/>
-            </a:schemeClr>
-          </a:lnRef>
-          <a:fillRef idx="1">
-            <a:schemeClr val="accent2"/>
-          </a:fillRef>
-          <a:effectRef idx="0">
-            <a:schemeClr val="accent2"/>
-          </a:effectRef>
-          <a:fontRef idx="minor">
-            <a:schemeClr val="lt1"/>
-          </a:fontRef>
-        </p:style>
-        <p:txBody>
-          <a:bodyPr rtlCol="0" anchor="ctr"/>
-          <a:lstStyle/>
-          <a:p>
-            <a:pPr algn="ctr"/>
-            <a:r>
-              <a:rPr lang="zh-CN" altLang="en-US" sz="1400" dirty="0">
-                <a:latin typeface="微软雅黑" panose="020B0503020204020204" pitchFamily="34" charset="-122"/>
-                <a:ea typeface="微软雅黑" panose="020B0503020204020204" pitchFamily="34" charset="-122"/>
-              </a:rPr>
-              <a:t>朋友圈相册</a:t>
-            </a:r>
-          </a:p>
-        </p:txBody>
-      </p:sp>
-      <p:sp>
-        <p:nvSpPr>
-          <p:cNvPr id="36" name="圆角矩形 35"/>
-          <p:cNvSpPr/>
-          <p:nvPr/>
-        </p:nvSpPr>
-        <p:spPr>
-          <a:xfrm>
-            <a:off x="3972886" y="1885470"/>
-            <a:ext cx="1167653" cy="594804"/>
-          </a:xfrm>
-          <a:prstGeom prst="roundRect">
-            <a:avLst/>
-          </a:prstGeom>
-        </p:spPr>
-        <p:style>
-          <a:lnRef idx="2">
-            <a:schemeClr val="accent2">
-              <a:shade val="50000"/>
-            </a:schemeClr>
-          </a:lnRef>
-          <a:fillRef idx="1">
-            <a:schemeClr val="accent2"/>
-          </a:fillRef>
-          <a:effectRef idx="0">
-            <a:schemeClr val="accent2"/>
-          </a:effectRef>
-          <a:fontRef idx="minor">
-            <a:schemeClr val="lt1"/>
-          </a:fontRef>
-        </p:style>
-        <p:txBody>
-          <a:bodyPr rtlCol="0" anchor="ctr"/>
-          <a:lstStyle/>
-          <a:p>
-            <a:pPr algn="ctr"/>
-            <a:r>
-              <a:rPr lang="zh-CN" altLang="en-US" sz="1400" dirty="0">
-                <a:latin typeface="微软雅黑" panose="020B0503020204020204" pitchFamily="34" charset="-122"/>
-                <a:ea typeface="微软雅黑" panose="020B0503020204020204" pitchFamily="34" charset="-122"/>
-              </a:rPr>
-              <a:t>状态</a:t>
-            </a:r>
-          </a:p>
-        </p:txBody>
-      </p:sp>
-      <p:sp>
-        <p:nvSpPr>
-          <p:cNvPr id="37" name="圆角矩形 36"/>
-          <p:cNvSpPr/>
-          <p:nvPr/>
-        </p:nvSpPr>
-        <p:spPr>
-          <a:xfrm>
-            <a:off x="3897972" y="3529755"/>
-            <a:ext cx="949911" cy="594804"/>
-          </a:xfrm>
-          <a:prstGeom prst="roundRect">
-            <a:avLst/>
-          </a:prstGeom>
-        </p:spPr>
-        <p:style>
-          <a:lnRef idx="2">
-            <a:schemeClr val="accent2">
-              <a:shade val="50000"/>
-            </a:schemeClr>
-          </a:lnRef>
-          <a:fillRef idx="1">
-            <a:schemeClr val="accent2"/>
-          </a:fillRef>
-          <a:effectRef idx="0">
-            <a:schemeClr val="accent2"/>
-          </a:effectRef>
-          <a:fontRef idx="minor">
-            <a:schemeClr val="lt1"/>
-          </a:fontRef>
-        </p:style>
-        <p:txBody>
-          <a:bodyPr rtlCol="0" anchor="ctr"/>
-          <a:lstStyle/>
-          <a:p>
-            <a:pPr algn="ctr"/>
-            <a:r>
-              <a:rPr lang="zh-CN" altLang="en-US" sz="1400" dirty="0">
-                <a:latin typeface="微软雅黑" panose="020B0503020204020204" pitchFamily="34" charset="-122"/>
-                <a:ea typeface="微软雅黑" panose="020B0503020204020204" pitchFamily="34" charset="-122"/>
-              </a:rPr>
-              <a:t>标签</a:t>
-            </a:r>
-          </a:p>
-        </p:txBody>
-      </p:sp>
-      <p:sp>
-        <p:nvSpPr>
-          <p:cNvPr id="40" name="圆角矩形 39"/>
-          <p:cNvSpPr/>
-          <p:nvPr/>
-        </p:nvSpPr>
-        <p:spPr>
-          <a:xfrm>
-            <a:off x="4886781" y="3529755"/>
-            <a:ext cx="949911" cy="594804"/>
-          </a:xfrm>
-          <a:prstGeom prst="roundRect">
-            <a:avLst/>
-          </a:prstGeom>
-        </p:spPr>
-        <p:style>
-          <a:lnRef idx="2">
-            <a:schemeClr val="accent2">
-              <a:shade val="50000"/>
-            </a:schemeClr>
-          </a:lnRef>
-          <a:fillRef idx="1">
-            <a:schemeClr val="accent2"/>
-          </a:fillRef>
-          <a:effectRef idx="0">
-            <a:schemeClr val="accent2"/>
-          </a:effectRef>
-          <a:fontRef idx="minor">
-            <a:schemeClr val="lt1"/>
-          </a:fontRef>
-        </p:style>
-        <p:txBody>
-          <a:bodyPr rtlCol="0" anchor="ctr"/>
-          <a:lstStyle/>
-          <a:p>
-            <a:pPr algn="ctr"/>
-            <a:r>
-              <a:rPr lang="zh-CN" altLang="en-US" sz="1400" dirty="0" smtClean="0">
-                <a:latin typeface="微软雅黑" panose="020B0503020204020204" pitchFamily="34" charset="-122"/>
-                <a:ea typeface="微软雅黑" panose="020B0503020204020204" pitchFamily="34" charset="-122"/>
-              </a:rPr>
-              <a:t>通讯录</a:t>
-            </a:r>
-            <a:endParaRPr lang="zh-CN" altLang="en-US" sz="1400" dirty="0">
-              <a:latin typeface="微软雅黑" panose="020B0503020204020204" pitchFamily="34" charset="-122"/>
-              <a:ea typeface="微软雅黑" panose="020B0503020204020204" pitchFamily="34" charset="-122"/>
-            </a:endParaRPr>
-          </a:p>
-        </p:txBody>
-      </p:sp>
-      <p:sp>
-        <p:nvSpPr>
-          <p:cNvPr id="41" name="圆角矩形 40"/>
-          <p:cNvSpPr/>
-          <p:nvPr/>
-        </p:nvSpPr>
-        <p:spPr>
-          <a:xfrm>
-            <a:off x="7586578" y="4552318"/>
-            <a:ext cx="898202" cy="594804"/>
-          </a:xfrm>
-          <a:prstGeom prst="roundRect">
-            <a:avLst/>
-          </a:prstGeom>
-        </p:spPr>
-        <p:style>
-          <a:lnRef idx="2">
-            <a:schemeClr val="accent2">
-              <a:shade val="50000"/>
-            </a:schemeClr>
-          </a:lnRef>
-          <a:fillRef idx="1">
-            <a:schemeClr val="accent2"/>
-          </a:fillRef>
-          <a:effectRef idx="0">
-            <a:schemeClr val="accent2"/>
-          </a:effectRef>
-          <a:fontRef idx="minor">
-            <a:schemeClr val="lt1"/>
-          </a:fontRef>
-        </p:style>
-        <p:txBody>
-          <a:bodyPr rtlCol="0" anchor="ctr"/>
-          <a:lstStyle/>
-          <a:p>
-            <a:pPr algn="ctr"/>
-            <a:r>
-              <a:rPr lang="zh-CN" altLang="en-US" sz="1400" dirty="0" smtClean="0">
-                <a:latin typeface="微软雅黑" panose="020B0503020204020204" pitchFamily="34" charset="-122"/>
-                <a:ea typeface="微软雅黑" panose="020B0503020204020204" pitchFamily="34" charset="-122"/>
-              </a:rPr>
-              <a:t>单聊</a:t>
-            </a:r>
-            <a:endParaRPr lang="zh-CN" altLang="en-US" sz="1400" dirty="0">
-              <a:latin typeface="微软雅黑" panose="020B0503020204020204" pitchFamily="34" charset="-122"/>
-              <a:ea typeface="微软雅黑" panose="020B0503020204020204" pitchFamily="34" charset="-122"/>
-            </a:endParaRPr>
-          </a:p>
-        </p:txBody>
-      </p:sp>
-      <p:sp>
-        <p:nvSpPr>
-          <p:cNvPr id="42" name="圆角矩形 41"/>
-          <p:cNvSpPr/>
-          <p:nvPr/>
-        </p:nvSpPr>
-        <p:spPr>
-          <a:xfrm>
-            <a:off x="7568803" y="5224911"/>
-            <a:ext cx="1943685" cy="594804"/>
-          </a:xfrm>
-          <a:prstGeom prst="roundRect">
-            <a:avLst/>
-          </a:prstGeom>
-        </p:spPr>
-        <p:style>
-          <a:lnRef idx="2">
-            <a:schemeClr val="accent2">
-              <a:shade val="50000"/>
-            </a:schemeClr>
-          </a:lnRef>
-          <a:fillRef idx="1">
-            <a:schemeClr val="accent2"/>
-          </a:fillRef>
-          <a:effectRef idx="0">
-            <a:schemeClr val="accent2"/>
-          </a:effectRef>
-          <a:fontRef idx="minor">
-            <a:schemeClr val="lt1"/>
-          </a:fontRef>
-        </p:style>
-        <p:txBody>
-          <a:bodyPr rtlCol="0" anchor="ctr"/>
-          <a:lstStyle/>
-          <a:p>
-            <a:pPr algn="ctr"/>
-            <a:r>
-              <a:rPr lang="zh-CN" altLang="en-US" sz="1400" dirty="0" smtClean="0">
-                <a:latin typeface="微软雅黑" panose="020B0503020204020204" pitchFamily="34" charset="-122"/>
-                <a:ea typeface="微软雅黑" panose="020B0503020204020204" pitchFamily="34" charset="-122"/>
-              </a:rPr>
-              <a:t>视频聊天</a:t>
-            </a:r>
-            <a:endParaRPr lang="zh-CN" altLang="en-US" sz="1400" dirty="0">
-              <a:latin typeface="微软雅黑" panose="020B0503020204020204" pitchFamily="34" charset="-122"/>
-              <a:ea typeface="微软雅黑" panose="020B0503020204020204" pitchFamily="34" charset="-122"/>
-            </a:endParaRPr>
-          </a:p>
-        </p:txBody>
-      </p:sp>
-      <p:sp>
-        <p:nvSpPr>
-          <p:cNvPr id="44" name="圆角矩形 43"/>
-          <p:cNvSpPr/>
-          <p:nvPr/>
-        </p:nvSpPr>
-        <p:spPr>
-          <a:xfrm>
-            <a:off x="10248988" y="3920432"/>
-            <a:ext cx="1756545" cy="1914381"/>
-          </a:xfrm>
-          <a:prstGeom prst="roundRect">
-            <a:avLst/>
-          </a:prstGeom>
-        </p:spPr>
-        <p:style>
-          <a:lnRef idx="2">
-            <a:schemeClr val="accent1">
-              <a:shade val="50000"/>
-            </a:schemeClr>
-          </a:lnRef>
-          <a:fillRef idx="1">
-            <a:schemeClr val="accent1"/>
-          </a:fillRef>
-          <a:effectRef idx="0">
-            <a:schemeClr val="accent1"/>
-          </a:effectRef>
-          <a:fontRef idx="minor">
-            <a:schemeClr val="lt1"/>
-          </a:fontRef>
-        </p:style>
-        <p:txBody>
-          <a:bodyPr rtlCol="0" anchor="ctr"/>
-          <a:lstStyle/>
-          <a:p>
-            <a:pPr algn="ctr"/>
-            <a:r>
-              <a:rPr lang="zh-CN" altLang="en-US" sz="1400" dirty="0" smtClean="0">
-                <a:latin typeface="微软雅黑" panose="020B0503020204020204" pitchFamily="34" charset="-122"/>
-                <a:ea typeface="微软雅黑" panose="020B0503020204020204" pitchFamily="34" charset="-122"/>
-              </a:rPr>
-              <a:t>账号</a:t>
-            </a:r>
-            <a:endParaRPr lang="en-US" altLang="zh-CN" sz="1400" dirty="0" smtClean="0">
-              <a:latin typeface="微软雅黑" panose="020B0503020204020204" pitchFamily="34" charset="-122"/>
-              <a:ea typeface="微软雅黑" panose="020B0503020204020204" pitchFamily="34" charset="-122"/>
-            </a:endParaRPr>
-          </a:p>
-          <a:p>
-            <a:pPr algn="ctr"/>
-            <a:endParaRPr lang="en-US" altLang="zh-CN" sz="1400" dirty="0" smtClean="0">
-              <a:latin typeface="微软雅黑" panose="020B0503020204020204" pitchFamily="34" charset="-122"/>
-              <a:ea typeface="微软雅黑" panose="020B0503020204020204" pitchFamily="34" charset="-122"/>
-            </a:endParaRPr>
-          </a:p>
-          <a:p>
-            <a:pPr algn="ctr"/>
-            <a:endParaRPr lang="en-US" altLang="zh-CN" sz="1400" dirty="0">
-              <a:latin typeface="微软雅黑" panose="020B0503020204020204" pitchFamily="34" charset="-122"/>
-              <a:ea typeface="微软雅黑" panose="020B0503020204020204" pitchFamily="34" charset="-122"/>
-            </a:endParaRPr>
-          </a:p>
-          <a:p>
-            <a:pPr algn="ctr"/>
-            <a:endParaRPr lang="en-US" altLang="zh-CN" sz="1400" dirty="0" smtClean="0">
-              <a:latin typeface="微软雅黑" panose="020B0503020204020204" pitchFamily="34" charset="-122"/>
-              <a:ea typeface="微软雅黑" panose="020B0503020204020204" pitchFamily="34" charset="-122"/>
-            </a:endParaRPr>
-          </a:p>
-          <a:p>
-            <a:pPr algn="ctr"/>
-            <a:endParaRPr lang="en-US" altLang="zh-CN" sz="1400" dirty="0">
-              <a:latin typeface="微软雅黑" panose="020B0503020204020204" pitchFamily="34" charset="-122"/>
-              <a:ea typeface="微软雅黑" panose="020B0503020204020204" pitchFamily="34" charset="-122"/>
-            </a:endParaRPr>
-          </a:p>
-          <a:p>
-            <a:pPr algn="ctr"/>
-            <a:endParaRPr lang="en-US" altLang="zh-CN" sz="1400" dirty="0" smtClean="0">
-              <a:latin typeface="微软雅黑" panose="020B0503020204020204" pitchFamily="34" charset="-122"/>
-              <a:ea typeface="微软雅黑" panose="020B0503020204020204" pitchFamily="34" charset="-122"/>
-            </a:endParaRPr>
-          </a:p>
-          <a:p>
-            <a:pPr algn="ctr"/>
-            <a:endParaRPr lang="zh-CN" altLang="en-US" sz="1400" dirty="0">
-              <a:latin typeface="微软雅黑" panose="020B0503020204020204" pitchFamily="34" charset="-122"/>
-              <a:ea typeface="微软雅黑" panose="020B0503020204020204" pitchFamily="34" charset="-122"/>
-            </a:endParaRPr>
-          </a:p>
-        </p:txBody>
-      </p:sp>
-      <p:sp>
-        <p:nvSpPr>
-          <p:cNvPr id="30" name="圆角矩形 29"/>
-          <p:cNvSpPr/>
-          <p:nvPr/>
-        </p:nvSpPr>
-        <p:spPr>
-          <a:xfrm>
-            <a:off x="10468621" y="5019200"/>
-            <a:ext cx="1302982" cy="594804"/>
-          </a:xfrm>
-          <a:prstGeom prst="roundRect">
-            <a:avLst/>
-          </a:prstGeom>
-        </p:spPr>
-        <p:style>
-          <a:lnRef idx="2">
-            <a:schemeClr val="accent2">
-              <a:shade val="50000"/>
-            </a:schemeClr>
-          </a:lnRef>
-          <a:fillRef idx="1">
-            <a:schemeClr val="accent2"/>
-          </a:fillRef>
-          <a:effectRef idx="0">
-            <a:schemeClr val="accent2"/>
-          </a:effectRef>
-          <a:fontRef idx="minor">
-            <a:schemeClr val="lt1"/>
-          </a:fontRef>
-        </p:style>
-        <p:txBody>
-          <a:bodyPr rtlCol="0" anchor="ctr"/>
-          <a:lstStyle/>
-          <a:p>
-            <a:pPr algn="ctr"/>
-            <a:r>
-              <a:rPr lang="zh-CN" altLang="en-US" sz="1400" dirty="0">
-                <a:latin typeface="微软雅黑" panose="020B0503020204020204" pitchFamily="34" charset="-122"/>
-                <a:ea typeface="微软雅黑" panose="020B0503020204020204" pitchFamily="34" charset="-122"/>
-              </a:rPr>
-              <a:t>三方授权</a:t>
-            </a:r>
-          </a:p>
-        </p:txBody>
-      </p:sp>
-      <p:sp>
-        <p:nvSpPr>
-          <p:cNvPr id="16" name="圆角矩形 15"/>
-          <p:cNvSpPr/>
-          <p:nvPr/>
-        </p:nvSpPr>
-        <p:spPr>
-          <a:xfrm>
-            <a:off x="10433193" y="4375229"/>
-            <a:ext cx="1302982" cy="594804"/>
-          </a:xfrm>
-          <a:prstGeom prst="roundRect">
-            <a:avLst/>
-          </a:prstGeom>
-        </p:spPr>
-        <p:style>
-          <a:lnRef idx="2">
-            <a:schemeClr val="accent2">
-              <a:shade val="50000"/>
-            </a:schemeClr>
-          </a:lnRef>
-          <a:fillRef idx="1">
-            <a:schemeClr val="accent2"/>
-          </a:fillRef>
-          <a:effectRef idx="0">
-            <a:schemeClr val="accent2"/>
-          </a:effectRef>
-          <a:fontRef idx="minor">
-            <a:schemeClr val="lt1"/>
-          </a:fontRef>
-        </p:style>
-        <p:txBody>
-          <a:bodyPr rtlCol="0" anchor="ctr"/>
-          <a:lstStyle/>
-          <a:p>
-            <a:pPr algn="ctr"/>
-            <a:r>
-              <a:rPr lang="zh-CN" altLang="en-US" sz="1400" dirty="0">
-                <a:latin typeface="微软雅黑" panose="020B0503020204020204" pitchFamily="34" charset="-122"/>
-                <a:ea typeface="微软雅黑" panose="020B0503020204020204" pitchFamily="34" charset="-122"/>
-              </a:rPr>
-              <a:t>登录</a:t>
-            </a:r>
-            <a:r>
-              <a:rPr lang="en-US" altLang="zh-CN" sz="1400" dirty="0">
-                <a:latin typeface="微软雅黑" panose="020B0503020204020204" pitchFamily="34" charset="-122"/>
-                <a:ea typeface="微软雅黑" panose="020B0503020204020204" pitchFamily="34" charset="-122"/>
-              </a:rPr>
-              <a:t>/</a:t>
-            </a:r>
-            <a:r>
-              <a:rPr lang="zh-CN" altLang="en-US" sz="1400" dirty="0">
-                <a:latin typeface="微软雅黑" panose="020B0503020204020204" pitchFamily="34" charset="-122"/>
-                <a:ea typeface="微软雅黑" panose="020B0503020204020204" pitchFamily="34" charset="-122"/>
-              </a:rPr>
-              <a:t>注册</a:t>
-            </a:r>
-          </a:p>
-        </p:txBody>
-      </p:sp>
-      <p:sp>
-        <p:nvSpPr>
-          <p:cNvPr id="45" name="圆角矩形 44"/>
-          <p:cNvSpPr/>
-          <p:nvPr/>
-        </p:nvSpPr>
-        <p:spPr>
-          <a:xfrm>
-            <a:off x="5433750" y="5684565"/>
-            <a:ext cx="1132845" cy="594804"/>
-          </a:xfrm>
-          <a:prstGeom prst="roundRect">
-            <a:avLst/>
-          </a:prstGeom>
-        </p:spPr>
-        <p:style>
-          <a:lnRef idx="2">
-            <a:schemeClr val="accent2">
-              <a:shade val="50000"/>
-            </a:schemeClr>
-          </a:lnRef>
-          <a:fillRef idx="1">
-            <a:schemeClr val="accent2"/>
-          </a:fillRef>
-          <a:effectRef idx="0">
-            <a:schemeClr val="accent2"/>
-          </a:effectRef>
-          <a:fontRef idx="minor">
-            <a:schemeClr val="lt1"/>
-          </a:fontRef>
-        </p:style>
-        <p:txBody>
-          <a:bodyPr rtlCol="0" anchor="ctr"/>
-          <a:lstStyle/>
-          <a:p>
-            <a:pPr algn="ctr"/>
-            <a:r>
-              <a:rPr lang="zh-CN" altLang="en-US" sz="1400" dirty="0">
-                <a:latin typeface="微软雅黑" panose="020B0503020204020204" pitchFamily="34" charset="-122"/>
-                <a:ea typeface="微软雅黑" panose="020B0503020204020204" pitchFamily="34" charset="-122"/>
-              </a:rPr>
-              <a:t>广告</a:t>
-            </a:r>
-          </a:p>
-        </p:txBody>
-      </p:sp>
-      <p:sp>
-        <p:nvSpPr>
-          <p:cNvPr id="46" name="圆角矩形 45"/>
-          <p:cNvSpPr/>
-          <p:nvPr/>
-        </p:nvSpPr>
-        <p:spPr>
-          <a:xfrm>
-            <a:off x="1870402" y="2097953"/>
-            <a:ext cx="949911" cy="594804"/>
-          </a:xfrm>
-          <a:prstGeom prst="roundRect">
-            <a:avLst/>
-          </a:prstGeom>
-        </p:spPr>
-        <p:style>
-          <a:lnRef idx="2">
-            <a:schemeClr val="accent2">
-              <a:shade val="50000"/>
-            </a:schemeClr>
-          </a:lnRef>
-          <a:fillRef idx="1">
-            <a:schemeClr val="accent2"/>
-          </a:fillRef>
-          <a:effectRef idx="0">
-            <a:schemeClr val="accent2"/>
-          </a:effectRef>
-          <a:fontRef idx="minor">
-            <a:schemeClr val="lt1"/>
-          </a:fontRef>
-        </p:style>
-        <p:txBody>
-          <a:bodyPr rtlCol="0" anchor="ctr"/>
-          <a:lstStyle/>
-          <a:p>
-            <a:pPr algn="ctr"/>
-            <a:r>
-              <a:rPr lang="zh-CN" altLang="en-US" sz="1400" dirty="0">
-                <a:latin typeface="微软雅黑" panose="020B0503020204020204" pitchFamily="34" charset="-122"/>
-                <a:ea typeface="微软雅黑" panose="020B0503020204020204" pitchFamily="34" charset="-122"/>
-              </a:rPr>
-              <a:t>钱包</a:t>
-            </a:r>
-          </a:p>
-        </p:txBody>
-      </p:sp>
-      <p:sp>
-        <p:nvSpPr>
-          <p:cNvPr id="48" name="圆角矩形 47"/>
-          <p:cNvSpPr/>
-          <p:nvPr/>
-        </p:nvSpPr>
-        <p:spPr>
-          <a:xfrm>
-            <a:off x="10274242" y="1418620"/>
-            <a:ext cx="1035754" cy="594804"/>
-          </a:xfrm>
-          <a:prstGeom prst="roundRect">
-            <a:avLst/>
-          </a:prstGeom>
-        </p:spPr>
-        <p:style>
-          <a:lnRef idx="2">
-            <a:schemeClr val="accent2">
-              <a:shade val="50000"/>
-            </a:schemeClr>
-          </a:lnRef>
-          <a:fillRef idx="1">
-            <a:schemeClr val="accent2"/>
-          </a:fillRef>
-          <a:effectRef idx="0">
-            <a:schemeClr val="accent2"/>
-          </a:effectRef>
-          <a:fontRef idx="minor">
-            <a:schemeClr val="lt1"/>
-          </a:fontRef>
-        </p:style>
-        <p:txBody>
-          <a:bodyPr rtlCol="0" anchor="ctr"/>
-          <a:lstStyle/>
-          <a:p>
-            <a:pPr algn="ctr"/>
-            <a:r>
-              <a:rPr lang="zh-CN" altLang="en-US" sz="1400" dirty="0">
-                <a:latin typeface="微软雅黑" panose="020B0503020204020204" pitchFamily="34" charset="-122"/>
-                <a:ea typeface="微软雅黑" panose="020B0503020204020204" pitchFamily="34" charset="-122"/>
-              </a:rPr>
-              <a:t>搜索</a:t>
-            </a:r>
-          </a:p>
-        </p:txBody>
-      </p:sp>
-      <p:sp>
-        <p:nvSpPr>
-          <p:cNvPr id="49" name="圆角矩形 48"/>
-          <p:cNvSpPr/>
-          <p:nvPr/>
-        </p:nvSpPr>
-        <p:spPr>
-          <a:xfrm>
-            <a:off x="8469903" y="2885116"/>
-            <a:ext cx="949911" cy="594804"/>
-          </a:xfrm>
-          <a:prstGeom prst="roundRect">
-            <a:avLst/>
-          </a:prstGeom>
-        </p:spPr>
-        <p:style>
-          <a:lnRef idx="2">
-            <a:schemeClr val="accent2">
-              <a:shade val="50000"/>
-            </a:schemeClr>
-          </a:lnRef>
-          <a:fillRef idx="1">
-            <a:schemeClr val="accent2"/>
-          </a:fillRef>
-          <a:effectRef idx="0">
-            <a:schemeClr val="accent2"/>
-          </a:effectRef>
-          <a:fontRef idx="minor">
-            <a:schemeClr val="lt1"/>
-          </a:fontRef>
-        </p:style>
-        <p:txBody>
-          <a:bodyPr rtlCol="0" anchor="ctr"/>
-          <a:lstStyle/>
-          <a:p>
-            <a:pPr algn="ctr"/>
-            <a:r>
-              <a:rPr lang="zh-CN" altLang="en-US" sz="1400" dirty="0" smtClean="0">
-                <a:latin typeface="微软雅黑" panose="020B0503020204020204" pitchFamily="34" charset="-122"/>
-                <a:ea typeface="微软雅黑" panose="020B0503020204020204" pitchFamily="34" charset="-122"/>
-              </a:rPr>
-              <a:t>小程序</a:t>
-            </a:r>
-            <a:endParaRPr lang="zh-CN" altLang="en-US" sz="1400" dirty="0">
-              <a:latin typeface="微软雅黑" panose="020B0503020204020204" pitchFamily="34" charset="-122"/>
-              <a:ea typeface="微软雅黑" panose="020B0503020204020204" pitchFamily="34" charset="-122"/>
-            </a:endParaRPr>
-          </a:p>
-        </p:txBody>
-      </p:sp>
-      <p:sp>
-        <p:nvSpPr>
-          <p:cNvPr id="50" name="圆角矩形 49"/>
-          <p:cNvSpPr/>
-          <p:nvPr/>
-        </p:nvSpPr>
-        <p:spPr>
-          <a:xfrm>
-            <a:off x="4752323" y="6453883"/>
-            <a:ext cx="2168735" cy="2011487"/>
-          </a:xfrm>
-          <a:prstGeom prst="roundRect">
-            <a:avLst/>
-          </a:prstGeom>
-        </p:spPr>
-        <p:style>
-          <a:lnRef idx="2">
-            <a:schemeClr val="accent1">
-              <a:shade val="50000"/>
-            </a:schemeClr>
-          </a:lnRef>
-          <a:fillRef idx="1">
-            <a:schemeClr val="accent1"/>
-          </a:fillRef>
-          <a:effectRef idx="0">
-            <a:schemeClr val="accent1"/>
-          </a:effectRef>
-          <a:fontRef idx="minor">
-            <a:schemeClr val="lt1"/>
-          </a:fontRef>
-        </p:style>
-        <p:txBody>
-          <a:bodyPr rtlCol="0" anchor="ctr"/>
-          <a:lstStyle/>
-          <a:p>
-            <a:pPr algn="ctr"/>
-            <a:r>
-              <a:rPr lang="zh-CN" altLang="en-US" sz="1400" dirty="0" smtClean="0">
-                <a:latin typeface="微软雅黑" panose="020B0503020204020204" pitchFamily="34" charset="-122"/>
-                <a:ea typeface="微软雅黑" panose="020B0503020204020204" pitchFamily="34" charset="-122"/>
-              </a:rPr>
-              <a:t>我的</a:t>
-            </a:r>
-            <a:endParaRPr lang="en-US" altLang="zh-CN" sz="1400" dirty="0" smtClean="0">
-              <a:latin typeface="微软雅黑" panose="020B0503020204020204" pitchFamily="34" charset="-122"/>
-              <a:ea typeface="微软雅黑" panose="020B0503020204020204" pitchFamily="34" charset="-122"/>
-            </a:endParaRPr>
-          </a:p>
-          <a:p>
-            <a:pPr algn="ctr"/>
-            <a:endParaRPr lang="en-US" altLang="zh-CN" sz="1400" dirty="0">
-              <a:latin typeface="微软雅黑" panose="020B0503020204020204" pitchFamily="34" charset="-122"/>
-              <a:ea typeface="微软雅黑" panose="020B0503020204020204" pitchFamily="34" charset="-122"/>
-            </a:endParaRPr>
-          </a:p>
-          <a:p>
-            <a:pPr algn="ctr"/>
-            <a:endParaRPr lang="en-US" altLang="zh-CN" sz="1400" dirty="0" smtClean="0">
-              <a:latin typeface="微软雅黑" panose="020B0503020204020204" pitchFamily="34" charset="-122"/>
-              <a:ea typeface="微软雅黑" panose="020B0503020204020204" pitchFamily="34" charset="-122"/>
-            </a:endParaRPr>
-          </a:p>
-          <a:p>
-            <a:pPr algn="ctr"/>
-            <a:endParaRPr lang="en-US" altLang="zh-CN" sz="1400" dirty="0">
-              <a:latin typeface="微软雅黑" panose="020B0503020204020204" pitchFamily="34" charset="-122"/>
-              <a:ea typeface="微软雅黑" panose="020B0503020204020204" pitchFamily="34" charset="-122"/>
-            </a:endParaRPr>
-          </a:p>
-          <a:p>
-            <a:pPr algn="ctr"/>
-            <a:endParaRPr lang="en-US" altLang="zh-CN" sz="1400" dirty="0" smtClean="0">
-              <a:latin typeface="微软雅黑" panose="020B0503020204020204" pitchFamily="34" charset="-122"/>
-              <a:ea typeface="微软雅黑" panose="020B0503020204020204" pitchFamily="34" charset="-122"/>
-            </a:endParaRPr>
-          </a:p>
-          <a:p>
-            <a:pPr algn="ctr"/>
-            <a:endParaRPr lang="en-US" altLang="zh-CN" sz="1400" dirty="0">
-              <a:latin typeface="微软雅黑" panose="020B0503020204020204" pitchFamily="34" charset="-122"/>
-              <a:ea typeface="微软雅黑" panose="020B0503020204020204" pitchFamily="34" charset="-122"/>
-            </a:endParaRPr>
-          </a:p>
-          <a:p>
-            <a:pPr algn="ctr"/>
-            <a:endParaRPr lang="en-US" altLang="zh-CN" sz="1400" dirty="0" smtClean="0">
-              <a:latin typeface="微软雅黑" panose="020B0503020204020204" pitchFamily="34" charset="-122"/>
-              <a:ea typeface="微软雅黑" panose="020B0503020204020204" pitchFamily="34" charset="-122"/>
-            </a:endParaRPr>
-          </a:p>
-          <a:p>
-            <a:pPr algn="ctr"/>
-            <a:endParaRPr lang="zh-CN" altLang="en-US" sz="1400" dirty="0">
-              <a:latin typeface="微软雅黑" panose="020B0503020204020204" pitchFamily="34" charset="-122"/>
-              <a:ea typeface="微软雅黑" panose="020B0503020204020204" pitchFamily="34" charset="-122"/>
-            </a:endParaRPr>
-          </a:p>
-        </p:txBody>
-      </p:sp>
-      <p:sp>
-        <p:nvSpPr>
-          <p:cNvPr id="21" name="圆角矩形 20"/>
-          <p:cNvSpPr/>
-          <p:nvPr/>
-        </p:nvSpPr>
-        <p:spPr>
-          <a:xfrm>
-            <a:off x="4906853" y="6944734"/>
-            <a:ext cx="949911" cy="594804"/>
-          </a:xfrm>
-          <a:prstGeom prst="roundRect">
-            <a:avLst/>
-          </a:prstGeom>
-        </p:spPr>
-        <p:style>
-          <a:lnRef idx="2">
-            <a:schemeClr val="accent2">
-              <a:shade val="50000"/>
-            </a:schemeClr>
-          </a:lnRef>
-          <a:fillRef idx="1">
-            <a:schemeClr val="accent2"/>
-          </a:fillRef>
-          <a:effectRef idx="0">
-            <a:schemeClr val="accent2"/>
-          </a:effectRef>
-          <a:fontRef idx="minor">
-            <a:schemeClr val="lt1"/>
-          </a:fontRef>
-        </p:style>
-        <p:txBody>
-          <a:bodyPr rtlCol="0" anchor="ctr"/>
-          <a:lstStyle/>
-          <a:p>
-            <a:pPr algn="ctr"/>
-            <a:r>
-              <a:rPr lang="zh-CN" altLang="en-US" sz="1400" dirty="0">
-                <a:latin typeface="微软雅黑" panose="020B0503020204020204" pitchFamily="34" charset="-122"/>
-                <a:ea typeface="微软雅黑" panose="020B0503020204020204" pitchFamily="34" charset="-122"/>
-              </a:rPr>
-              <a:t>表情</a:t>
-            </a:r>
-          </a:p>
-        </p:txBody>
-      </p:sp>
-      <p:sp>
-        <p:nvSpPr>
-          <p:cNvPr id="19" name="圆角矩形 18"/>
-          <p:cNvSpPr/>
-          <p:nvPr/>
-        </p:nvSpPr>
-        <p:spPr>
-          <a:xfrm>
-            <a:off x="5931499" y="6938504"/>
-            <a:ext cx="949911" cy="594804"/>
-          </a:xfrm>
-          <a:prstGeom prst="roundRect">
-            <a:avLst/>
-          </a:prstGeom>
-        </p:spPr>
-        <p:style>
-          <a:lnRef idx="2">
-            <a:schemeClr val="accent2">
-              <a:shade val="50000"/>
-            </a:schemeClr>
-          </a:lnRef>
-          <a:fillRef idx="1">
-            <a:schemeClr val="accent2"/>
-          </a:fillRef>
-          <a:effectRef idx="0">
-            <a:schemeClr val="accent2"/>
-          </a:effectRef>
-          <a:fontRef idx="minor">
-            <a:schemeClr val="lt1"/>
-          </a:fontRef>
-        </p:style>
-        <p:txBody>
-          <a:bodyPr rtlCol="0" anchor="ctr"/>
-          <a:lstStyle/>
-          <a:p>
-            <a:pPr algn="ctr"/>
-            <a:r>
-              <a:rPr lang="zh-CN" altLang="en-US" sz="1400" dirty="0">
-                <a:latin typeface="微软雅黑" panose="020B0503020204020204" pitchFamily="34" charset="-122"/>
-                <a:ea typeface="微软雅黑" panose="020B0503020204020204" pitchFamily="34" charset="-122"/>
-              </a:rPr>
-              <a:t>收藏</a:t>
-            </a:r>
-          </a:p>
-        </p:txBody>
-      </p:sp>
-      <p:sp>
-        <p:nvSpPr>
-          <p:cNvPr id="20" name="圆角矩形 19"/>
-          <p:cNvSpPr/>
-          <p:nvPr/>
-        </p:nvSpPr>
-        <p:spPr>
-          <a:xfrm>
-            <a:off x="4886780" y="7645569"/>
-            <a:ext cx="949911" cy="594804"/>
-          </a:xfrm>
-          <a:prstGeom prst="roundRect">
-            <a:avLst/>
-          </a:prstGeom>
-        </p:spPr>
-        <p:style>
-          <a:lnRef idx="2">
-            <a:schemeClr val="accent2">
-              <a:shade val="50000"/>
-            </a:schemeClr>
-          </a:lnRef>
-          <a:fillRef idx="1">
-            <a:schemeClr val="accent2"/>
-          </a:fillRef>
-          <a:effectRef idx="0">
-            <a:schemeClr val="accent2"/>
-          </a:effectRef>
-          <a:fontRef idx="minor">
-            <a:schemeClr val="lt1"/>
-          </a:fontRef>
-        </p:style>
-        <p:txBody>
-          <a:bodyPr rtlCol="0" anchor="ctr"/>
-          <a:lstStyle/>
-          <a:p>
-            <a:pPr algn="ctr"/>
-            <a:r>
-              <a:rPr lang="zh-CN" altLang="en-US" sz="1400" dirty="0">
-                <a:latin typeface="微软雅黑" panose="020B0503020204020204" pitchFamily="34" charset="-122"/>
-                <a:ea typeface="微软雅黑" panose="020B0503020204020204" pitchFamily="34" charset="-122"/>
-              </a:rPr>
-              <a:t>卡包</a:t>
-            </a:r>
-          </a:p>
-        </p:txBody>
-      </p:sp>
+      </p:pic>
     </p:spTree>
     <p:extLst>
       <p:ext uri="{BB962C8B-B14F-4D97-AF65-F5344CB8AC3E}">
@@ -5351,69 +3072,85 @@
           <a:bodyPr/>
           <a:lstStyle/>
           <a:p>
+            <a:pPr marL="0" indent="0">
+              <a:buNone/>
+            </a:pPr>
             <a:r>
               <a:rPr lang="zh-CN" altLang="en-US" dirty="0" smtClean="0"/>
-              <a:t>语言选择</a:t>
-            </a:r>
-            <a:r>
-              <a:rPr lang="en-US" altLang="zh-CN" dirty="0" smtClean="0"/>
+              <a:t>最简方案，满足毕设基本要求</a:t>
+            </a:r>
+            <a:endParaRPr lang="en-US" altLang="zh-CN" dirty="0" smtClean="0"/>
+          </a:p>
+          <a:p>
+            <a:r>
+              <a:rPr lang="zh-CN" altLang="en-US" sz="2000" dirty="0" smtClean="0"/>
+              <a:t>语言</a:t>
+            </a:r>
+            <a:r>
+              <a:rPr lang="zh-CN" altLang="en-US" sz="2000" dirty="0" smtClean="0"/>
+              <a:t>选择</a:t>
+            </a:r>
+            <a:r>
+              <a:rPr lang="en-US" altLang="zh-CN" sz="2000" dirty="0" smtClean="0"/>
               <a:t>java</a:t>
             </a:r>
           </a:p>
           <a:p>
             <a:r>
-              <a:rPr lang="zh-CN" altLang="en-US" dirty="0" smtClean="0"/>
-              <a:t>一台负载均衡</a:t>
-            </a:r>
-            <a:r>
-              <a:rPr lang="en-US" altLang="zh-CN" dirty="0" smtClean="0"/>
-              <a:t>Nginx</a:t>
-            </a:r>
-          </a:p>
-          <a:p>
-            <a:r>
-              <a:rPr lang="zh-CN" altLang="en-US" dirty="0" smtClean="0"/>
-              <a:t>两台数据</a:t>
-            </a:r>
-            <a:r>
-              <a:rPr lang="en-US" altLang="zh-CN" dirty="0" smtClean="0"/>
+              <a:rPr lang="zh-CN" altLang="en-US" sz="2000" dirty="0" smtClean="0"/>
+              <a:t>一</a:t>
+            </a:r>
+            <a:r>
+              <a:rPr lang="zh-CN" altLang="en-US" sz="2000" dirty="0"/>
+              <a:t>台云应用</a:t>
+            </a:r>
+            <a:r>
+              <a:rPr lang="en-US" altLang="zh-CN" sz="2000" dirty="0" smtClean="0"/>
+              <a:t>Server</a:t>
+            </a:r>
+            <a:r>
+              <a:rPr lang="zh-CN" altLang="en-US" sz="2000" dirty="0" smtClean="0"/>
+              <a:t>，单体服务（</a:t>
+            </a:r>
+            <a:r>
+              <a:rPr lang="en-US" altLang="zh-CN" sz="2000" dirty="0" err="1" smtClean="0"/>
+              <a:t>ssm+layui</a:t>
+            </a:r>
+            <a:r>
+              <a:rPr lang="zh-CN" altLang="en-US" sz="2000" dirty="0" smtClean="0"/>
+              <a:t>），不考虑前后端分离架构</a:t>
+            </a:r>
+            <a:endParaRPr lang="en-US" altLang="zh-CN" sz="2000" dirty="0" smtClean="0"/>
+          </a:p>
+          <a:p>
+            <a:r>
+              <a:rPr lang="zh-CN" altLang="en-US" sz="2000" dirty="0" smtClean="0"/>
+              <a:t>两台云</a:t>
+            </a:r>
+            <a:r>
+              <a:rPr lang="zh-CN" altLang="en-US" sz="2000" dirty="0"/>
+              <a:t>数据</a:t>
+            </a:r>
+            <a:r>
+              <a:rPr lang="en-US" altLang="zh-CN" sz="2000" dirty="0" smtClean="0"/>
               <a:t>MySQL</a:t>
             </a:r>
             <a:r>
-              <a:rPr lang="zh-CN" altLang="en-US" dirty="0" smtClean="0"/>
-              <a:t>，主从架构</a:t>
-            </a:r>
-            <a:endParaRPr lang="en-US" altLang="zh-CN" dirty="0" smtClean="0"/>
-          </a:p>
-          <a:p>
-            <a:r>
-              <a:rPr lang="zh-CN" altLang="en-US" dirty="0"/>
-              <a:t>两</a:t>
-            </a:r>
-            <a:r>
-              <a:rPr lang="zh-CN" altLang="en-US" dirty="0" smtClean="0"/>
-              <a:t>台应用</a:t>
-            </a:r>
-            <a:r>
-              <a:rPr lang="en-US" altLang="zh-CN" dirty="0" smtClean="0"/>
-              <a:t>Server</a:t>
-            </a:r>
-            <a:r>
-              <a:rPr lang="zh-CN" altLang="en-US" dirty="0" smtClean="0"/>
-              <a:t>，每台分别部署前端和后端</a:t>
-            </a:r>
-            <a:endParaRPr lang="en-US" altLang="zh-CN" dirty="0" smtClean="0"/>
-          </a:p>
-          <a:p>
-            <a:r>
-              <a:rPr lang="en-US" altLang="zh-CN" dirty="0" smtClean="0"/>
+              <a:rPr lang="zh-CN" altLang="en-US" sz="2000" dirty="0" smtClean="0"/>
+              <a:t>（主备模式）</a:t>
+            </a:r>
+            <a:endParaRPr lang="en-US" altLang="zh-CN" sz="2000" dirty="0" smtClean="0"/>
+          </a:p>
+          <a:p>
+            <a:r>
+              <a:rPr lang="en-US" altLang="zh-CN" sz="2000" dirty="0" smtClean="0"/>
               <a:t>DNS</a:t>
             </a:r>
             <a:r>
-              <a:rPr lang="zh-CN" altLang="en-US" dirty="0" smtClean="0"/>
+              <a:rPr lang="zh-CN" altLang="en-US" sz="2000" dirty="0" smtClean="0"/>
               <a:t>申请外网域名</a:t>
             </a:r>
-            <a:endParaRPr lang="zh-CN" altLang="en-US" dirty="0"/>
+            <a:endParaRPr lang="zh-CN" altLang="en-US" sz="2000" dirty="0"/>
           </a:p>
         </p:txBody>
       </p:sp>
@@ -5477,6 +3214,30 @@
           </a:p>
         </p:txBody>
       </p:sp>
+      <p:pic>
+        <p:nvPicPr>
+          <p:cNvPr id="3" name="图片 2"/>
+          <p:cNvPicPr>
+            <a:picLocks noChangeAspect="1"/>
+          </p:cNvPicPr>
+          <p:nvPr/>
+        </p:nvPicPr>
+        <p:blipFill>
+          <a:blip r:embed="rId2"/>
+          <a:stretch>
+            <a:fillRect/>
+          </a:stretch>
+        </p:blipFill>
+        <p:spPr>
+          <a:xfrm>
+            <a:off x="2667000" y="1461255"/>
+            <a:ext cx="6858000" cy="4219575"/>
+          </a:xfrm>
+          <a:prstGeom prst="rect">
+            <a:avLst/>
+          </a:prstGeom>
+        </p:spPr>
+      </p:pic>
     </p:spTree>
     <p:extLst>
       <p:ext uri="{BB962C8B-B14F-4D97-AF65-F5344CB8AC3E}">
@@ -5554,12 +3315,17 @@
           <a:p>
             <a:r>
               <a:rPr lang="zh-CN" altLang="en-US" dirty="0" smtClean="0"/>
-              <a:t>语言选择</a:t>
+              <a:t>语言</a:t>
+            </a:r>
+            <a:r>
+              <a:rPr lang="zh-CN" altLang="en-US" dirty="0" smtClean="0"/>
+              <a:t>选择</a:t>
             </a:r>
             <a:r>
               <a:rPr lang="en-US" altLang="zh-CN" dirty="0" smtClean="0"/>
               <a:t>java</a:t>
             </a:r>
+            <a:endParaRPr lang="en-US" altLang="zh-CN" dirty="0" smtClean="0"/>
           </a:p>
           <a:p>
             <a:r>
@@ -5570,10 +3336,74 @@
               <a:rPr lang="en-US" altLang="zh-CN" dirty="0" smtClean="0"/>
               <a:t>Nginx</a:t>
             </a:r>
-          </a:p>
-          <a:p>
+            <a:endParaRPr lang="en-US" altLang="zh-CN" dirty="0" smtClean="0"/>
+          </a:p>
+          <a:p>
+            <a:r>
+              <a:rPr lang="en-US" altLang="zh-CN" dirty="0" smtClean="0"/>
+              <a:t>4</a:t>
+            </a:r>
             <a:r>
               <a:rPr lang="zh-CN" altLang="en-US" dirty="0" smtClean="0"/>
+              <a:t>台</a:t>
+            </a:r>
+            <a:r>
+              <a:rPr lang="zh-CN" altLang="en-US" dirty="0" smtClean="0"/>
+              <a:t>应用</a:t>
+            </a:r>
+            <a:r>
+              <a:rPr lang="en-US" altLang="zh-CN" dirty="0" smtClean="0"/>
+              <a:t>Server</a:t>
+            </a:r>
+            <a:r>
+              <a:rPr lang="zh-CN" altLang="en-US" dirty="0" smtClean="0"/>
+              <a:t>，</a:t>
+            </a:r>
+            <a:r>
+              <a:rPr lang="en-US" altLang="zh-CN" dirty="0" smtClean="0"/>
+              <a:t>2</a:t>
+            </a:r>
+            <a:r>
+              <a:rPr lang="zh-CN" altLang="en-US" dirty="0" smtClean="0"/>
+              <a:t>台</a:t>
+            </a:r>
+            <a:r>
+              <a:rPr lang="zh-CN" altLang="en-US" dirty="0" smtClean="0"/>
+              <a:t>分别部署</a:t>
+            </a:r>
+            <a:r>
+              <a:rPr lang="zh-CN" altLang="en-US" dirty="0" smtClean="0"/>
+              <a:t>前端（</a:t>
+            </a:r>
+            <a:r>
+              <a:rPr lang="en-US" altLang="zh-CN" dirty="0" err="1" smtClean="0"/>
+              <a:t>vue</a:t>
+            </a:r>
+            <a:r>
+              <a:rPr lang="zh-CN" altLang="en-US" dirty="0" smtClean="0"/>
+              <a:t>）和</a:t>
+            </a:r>
+            <a:r>
+              <a:rPr lang="en-US" altLang="zh-CN" dirty="0" smtClean="0"/>
+              <a:t>2</a:t>
+            </a:r>
+            <a:r>
+              <a:rPr lang="zh-CN" altLang="en-US" dirty="0" smtClean="0"/>
+              <a:t>台后端（</a:t>
+            </a:r>
+            <a:r>
+              <a:rPr lang="en-US" altLang="zh-CN" dirty="0" smtClean="0"/>
+              <a:t>spring boot</a:t>
+            </a:r>
+            <a:r>
+              <a:rPr lang="zh-CN" altLang="en-US" dirty="0" smtClean="0"/>
+              <a:t>）</a:t>
+            </a:r>
+            <a:endParaRPr lang="en-US" altLang="zh-CN" dirty="0" smtClean="0"/>
+          </a:p>
+          <a:p>
+            <a:r>
+              <a:rPr lang="zh-CN" altLang="en-US" dirty="0"/>
               <a:t>两台数据</a:t>
             </a:r>
             <a:r>
@@ -5582,22 +3412,7 @@
             </a:r>
             <a:r>
               <a:rPr lang="zh-CN" altLang="en-US" dirty="0" smtClean="0"/>
-              <a:t>，主从架构</a:t>
-            </a:r>
-            <a:endParaRPr lang="en-US" altLang="zh-CN" dirty="0" smtClean="0"/>
-          </a:p>
-          <a:p>
-            <a:r>
-              <a:rPr lang="zh-CN" altLang="en-US" dirty="0" smtClean="0"/>
-              <a:t>两台应用</a:t>
-            </a:r>
-            <a:r>
-              <a:rPr lang="en-US" altLang="zh-CN" dirty="0" smtClean="0"/>
-              <a:t>Server</a:t>
-            </a:r>
-            <a:r>
-              <a:rPr lang="zh-CN" altLang="en-US" dirty="0" smtClean="0"/>
-              <a:t>，每台分别部署前端和后端</a:t>
+              <a:t>（主从模式）</a:t>
             </a:r>
             <a:endParaRPr lang="en-US" altLang="zh-CN" dirty="0" smtClean="0"/>
           </a:p>
@@ -5676,6 +3491,30 @@
           </a:p>
         </p:txBody>
       </p:sp>
+      <p:pic>
+        <p:nvPicPr>
+          <p:cNvPr id="3" name="图片 2"/>
+          <p:cNvPicPr>
+            <a:picLocks noChangeAspect="1"/>
+          </p:cNvPicPr>
+          <p:nvPr/>
+        </p:nvPicPr>
+        <p:blipFill>
+          <a:blip r:embed="rId2"/>
+          <a:stretch>
+            <a:fillRect/>
+          </a:stretch>
+        </p:blipFill>
+        <p:spPr>
+          <a:xfrm>
+            <a:off x="973260" y="1478178"/>
+            <a:ext cx="10067925" cy="4505325"/>
+          </a:xfrm>
+          <a:prstGeom prst="rect">
+            <a:avLst/>
+          </a:prstGeom>
+        </p:spPr>
+      </p:pic>
     </p:spTree>
     <p:extLst>
       <p:ext uri="{BB962C8B-B14F-4D97-AF65-F5344CB8AC3E}">
@@ -5704,7 +3543,7 @@
         <a:sysClr val="windowText" lastClr="000000"/>
       </a:dk1>
       <a:lt1>
-        <a:sysClr val="window" lastClr="CCE8CF"/>
+        <a:sysClr val="window" lastClr="FFFFFF"/>
       </a:lt1>
       <a:dk2>
         <a:srgbClr val="44546A"/>

--- a/part-01/作业.pptx
+++ b/part-01/作业.pptx
@@ -247,7 +247,7 @@
           <a:p>
             <a:fld id="{B9A92B3E-5A6D-4D2B-9C09-F4578AB793FF}" type="datetimeFigureOut">
               <a:rPr lang="zh-CN" altLang="en-US" smtClean="0"/>
-              <a:t>2021/10/28 Thursday</a:t>
+              <a:t>2021/11/6 Saturday</a:t>
             </a:fld>
             <a:endParaRPr lang="zh-CN" altLang="en-US"/>
           </a:p>
@@ -417,7 +417,7 @@
           <a:p>
             <a:fld id="{B9A92B3E-5A6D-4D2B-9C09-F4578AB793FF}" type="datetimeFigureOut">
               <a:rPr lang="zh-CN" altLang="en-US" smtClean="0"/>
-              <a:t>2021/10/28 Thursday</a:t>
+              <a:t>2021/11/6 Saturday</a:t>
             </a:fld>
             <a:endParaRPr lang="zh-CN" altLang="en-US"/>
           </a:p>
@@ -597,7 +597,7 @@
           <a:p>
             <a:fld id="{B9A92B3E-5A6D-4D2B-9C09-F4578AB793FF}" type="datetimeFigureOut">
               <a:rPr lang="zh-CN" altLang="en-US" smtClean="0"/>
-              <a:t>2021/10/28 Thursday</a:t>
+              <a:t>2021/11/6 Saturday</a:t>
             </a:fld>
             <a:endParaRPr lang="zh-CN" altLang="en-US"/>
           </a:p>
@@ -767,7 +767,7 @@
           <a:p>
             <a:fld id="{B9A92B3E-5A6D-4D2B-9C09-F4578AB793FF}" type="datetimeFigureOut">
               <a:rPr lang="zh-CN" altLang="en-US" smtClean="0"/>
-              <a:t>2021/10/28 Thursday</a:t>
+              <a:t>2021/11/6 Saturday</a:t>
             </a:fld>
             <a:endParaRPr lang="zh-CN" altLang="en-US"/>
           </a:p>
@@ -1013,7 +1013,7 @@
           <a:p>
             <a:fld id="{B9A92B3E-5A6D-4D2B-9C09-F4578AB793FF}" type="datetimeFigureOut">
               <a:rPr lang="zh-CN" altLang="en-US" smtClean="0"/>
-              <a:t>2021/10/28 Thursday</a:t>
+              <a:t>2021/11/6 Saturday</a:t>
             </a:fld>
             <a:endParaRPr lang="zh-CN" altLang="en-US"/>
           </a:p>
@@ -1245,7 +1245,7 @@
           <a:p>
             <a:fld id="{B9A92B3E-5A6D-4D2B-9C09-F4578AB793FF}" type="datetimeFigureOut">
               <a:rPr lang="zh-CN" altLang="en-US" smtClean="0"/>
-              <a:t>2021/10/28 Thursday</a:t>
+              <a:t>2021/11/6 Saturday</a:t>
             </a:fld>
             <a:endParaRPr lang="zh-CN" altLang="en-US"/>
           </a:p>
@@ -1612,7 +1612,7 @@
           <a:p>
             <a:fld id="{B9A92B3E-5A6D-4D2B-9C09-F4578AB793FF}" type="datetimeFigureOut">
               <a:rPr lang="zh-CN" altLang="en-US" smtClean="0"/>
-              <a:t>2021/10/28 Thursday</a:t>
+              <a:t>2021/11/6 Saturday</a:t>
             </a:fld>
             <a:endParaRPr lang="zh-CN" altLang="en-US"/>
           </a:p>
@@ -1730,7 +1730,7 @@
           <a:p>
             <a:fld id="{B9A92B3E-5A6D-4D2B-9C09-F4578AB793FF}" type="datetimeFigureOut">
               <a:rPr lang="zh-CN" altLang="en-US" smtClean="0"/>
-              <a:t>2021/10/28 Thursday</a:t>
+              <a:t>2021/11/6 Saturday</a:t>
             </a:fld>
             <a:endParaRPr lang="zh-CN" altLang="en-US"/>
           </a:p>
@@ -1825,7 +1825,7 @@
           <a:p>
             <a:fld id="{B9A92B3E-5A6D-4D2B-9C09-F4578AB793FF}" type="datetimeFigureOut">
               <a:rPr lang="zh-CN" altLang="en-US" smtClean="0"/>
-              <a:t>2021/10/28 Thursday</a:t>
+              <a:t>2021/11/6 Saturday</a:t>
             </a:fld>
             <a:endParaRPr lang="zh-CN" altLang="en-US"/>
           </a:p>
@@ -2102,7 +2102,7 @@
           <a:p>
             <a:fld id="{B9A92B3E-5A6D-4D2B-9C09-F4578AB793FF}" type="datetimeFigureOut">
               <a:rPr lang="zh-CN" altLang="en-US" smtClean="0"/>
-              <a:t>2021/10/28 Thursday</a:t>
+              <a:t>2021/11/6 Saturday</a:t>
             </a:fld>
             <a:endParaRPr lang="zh-CN" altLang="en-US"/>
           </a:p>
@@ -2355,7 +2355,7 @@
           <a:p>
             <a:fld id="{B9A92B3E-5A6D-4D2B-9C09-F4578AB793FF}" type="datetimeFigureOut">
               <a:rPr lang="zh-CN" altLang="en-US" smtClean="0"/>
-              <a:t>2021/10/28 Thursday</a:t>
+              <a:t>2021/11/6 Saturday</a:t>
             </a:fld>
             <a:endParaRPr lang="zh-CN" altLang="en-US"/>
           </a:p>
@@ -2568,7 +2568,7 @@
           <a:p>
             <a:fld id="{B9A92B3E-5A6D-4D2B-9C09-F4578AB793FF}" type="datetimeFigureOut">
               <a:rPr lang="zh-CN" altLang="en-US" smtClean="0"/>
-              <a:t>2021/10/28 Thursday</a:t>
+              <a:t>2021/11/6 Saturday</a:t>
             </a:fld>
             <a:endParaRPr lang="zh-CN" altLang="en-US"/>
           </a:p>
@@ -3084,11 +3084,7 @@
           <a:p>
             <a:r>
               <a:rPr lang="zh-CN" altLang="en-US" sz="2000" dirty="0" smtClean="0"/>
-              <a:t>语言</a:t>
-            </a:r>
-            <a:r>
-              <a:rPr lang="zh-CN" altLang="en-US" sz="2000" dirty="0" smtClean="0"/>
-              <a:t>选择</a:t>
+              <a:t>语言选择</a:t>
             </a:r>
             <a:r>
               <a:rPr lang="en-US" altLang="zh-CN" sz="2000" dirty="0" smtClean="0"/>
@@ -3315,17 +3311,12 @@
           <a:p>
             <a:r>
               <a:rPr lang="zh-CN" altLang="en-US" dirty="0" smtClean="0"/>
-              <a:t>语言</a:t>
-            </a:r>
-            <a:r>
-              <a:rPr lang="zh-CN" altLang="en-US" dirty="0" smtClean="0"/>
-              <a:t>选择</a:t>
+              <a:t>语言选择</a:t>
             </a:r>
             <a:r>
               <a:rPr lang="en-US" altLang="zh-CN" dirty="0" smtClean="0"/>
               <a:t>java</a:t>
             </a:r>
-            <a:endParaRPr lang="en-US" altLang="zh-CN" dirty="0" smtClean="0"/>
           </a:p>
           <a:p>
             <a:r>
@@ -3336,7 +3327,6 @@
               <a:rPr lang="en-US" altLang="zh-CN" dirty="0" smtClean="0"/>
               <a:t>Nginx</a:t>
             </a:r>
-            <a:endParaRPr lang="en-US" altLang="zh-CN" dirty="0" smtClean="0"/>
           </a:p>
           <a:p>
             <a:r>
@@ -3345,11 +3335,7 @@
             </a:r>
             <a:r>
               <a:rPr lang="zh-CN" altLang="en-US" dirty="0" smtClean="0"/>
-              <a:t>台</a:t>
-            </a:r>
-            <a:r>
-              <a:rPr lang="zh-CN" altLang="en-US" dirty="0" smtClean="0"/>
-              <a:t>应用</a:t>
+              <a:t>台应用</a:t>
             </a:r>
             <a:r>
               <a:rPr lang="en-US" altLang="zh-CN" dirty="0" smtClean="0"/>
@@ -3365,15 +3351,7 @@
             </a:r>
             <a:r>
               <a:rPr lang="zh-CN" altLang="en-US" dirty="0" smtClean="0"/>
-              <a:t>台</a:t>
-            </a:r>
-            <a:r>
-              <a:rPr lang="zh-CN" altLang="en-US" dirty="0" smtClean="0"/>
-              <a:t>分别部署</a:t>
-            </a:r>
-            <a:r>
-              <a:rPr lang="zh-CN" altLang="en-US" dirty="0" smtClean="0"/>
-              <a:t>前端（</a:t>
+              <a:t>台分别部署前端（</a:t>
             </a:r>
             <a:r>
               <a:rPr lang="en-US" altLang="zh-CN" dirty="0" err="1" smtClean="0"/>
